--- a/weekly_report/group3/第三组第四周学习报告.pptx
+++ b/weekly_report/group3/第三组第四周学习报告.pptx
@@ -8,12 +8,14 @@
     <p:sldId id="262" r:id="rId2"/>
     <p:sldId id="263" r:id="rId3"/>
     <p:sldId id="257" r:id="rId4"/>
-    <p:sldId id="258" r:id="rId5"/>
-    <p:sldId id="259" r:id="rId6"/>
-    <p:sldId id="260" r:id="rId7"/>
-    <p:sldId id="261" r:id="rId8"/>
-    <p:sldId id="264" r:id="rId9"/>
-    <p:sldId id="265" r:id="rId10"/>
+    <p:sldId id="267" r:id="rId5"/>
+    <p:sldId id="258" r:id="rId6"/>
+    <p:sldId id="259" r:id="rId7"/>
+    <p:sldId id="260" r:id="rId8"/>
+    <p:sldId id="261" r:id="rId9"/>
+    <p:sldId id="264" r:id="rId10"/>
+    <p:sldId id="265" r:id="rId11"/>
+    <p:sldId id="266" r:id="rId12"/>
   </p:sldIdLst>
   <p:sldSz cx="12192000" cy="6858000"/>
   <p:notesSz cx="6858000" cy="9144000"/>
@@ -4207,6 +4209,1138 @@
     <p:extLst>
       <p:ext uri="{BB962C8B-B14F-4D97-AF65-F5344CB8AC3E}">
         <p14:creationId xmlns:p14="http://schemas.microsoft.com/office/powerpoint/2010/main" val="3582412445"/>
+      </p:ext>
+    </p:extLst>
+  </p:cSld>
+  <p:clrMapOvr>
+    <a:masterClrMapping/>
+  </p:clrMapOvr>
+  <p:timing>
+    <p:tnLst>
+      <p:par>
+        <p:cTn id="1" dur="indefinite" restart="never" nodeType="tmRoot"/>
+      </p:par>
+    </p:tnLst>
+  </p:timing>
+</p:sld>
+</file>
+
+<file path=ppt/slides/slide10.xml><?xml version="1.0" encoding="utf-8"?>
+<p:sld xmlns:a="http://schemas.openxmlformats.org/drawingml/2006/main" xmlns:r="http://schemas.openxmlformats.org/officeDocument/2006/relationships" xmlns:p="http://schemas.openxmlformats.org/presentationml/2006/main">
+  <p:cSld>
+    <p:spTree>
+      <p:nvGrpSpPr>
+        <p:cNvPr id="1" name=""/>
+        <p:cNvGrpSpPr/>
+        <p:nvPr/>
+      </p:nvGrpSpPr>
+      <p:grpSpPr>
+        <a:xfrm>
+          <a:off x="0" y="0"/>
+          <a:ext cx="0" cy="0"/>
+          <a:chOff x="0" y="0"/>
+          <a:chExt cx="0" cy="0"/>
+        </a:xfrm>
+      </p:grpSpPr>
+      <p:sp>
+        <p:nvSpPr>
+          <p:cNvPr id="2" name="文本框 1"/>
+          <p:cNvSpPr txBox="1"/>
+          <p:nvPr/>
+        </p:nvSpPr>
+        <p:spPr>
+          <a:xfrm>
+            <a:off x="631767" y="423949"/>
+            <a:ext cx="2975957" cy="646331"/>
+          </a:xfrm>
+          <a:prstGeom prst="rect">
+            <a:avLst/>
+          </a:prstGeom>
+          <a:noFill/>
+        </p:spPr>
+        <p:txBody>
+          <a:bodyPr wrap="square" rtlCol="0">
+            <a:spAutoFit/>
+          </a:bodyPr>
+          <a:lstStyle/>
+          <a:p>
+            <a:r>
+              <a:rPr lang="en-US" altLang="zh-CN" sz="3600" dirty="0" smtClean="0">
+                <a:solidFill>
+                  <a:schemeClr val="bg1"/>
+                </a:solidFill>
+                <a:latin typeface="微软雅黑" panose="020B0503020204020204" pitchFamily="34" charset="-122"/>
+                <a:ea typeface="微软雅黑" panose="020B0503020204020204" pitchFamily="34" charset="-122"/>
+              </a:rPr>
+              <a:t>References</a:t>
+            </a:r>
+            <a:endParaRPr lang="zh-CN" altLang="en-US" sz="3600" dirty="0">
+              <a:solidFill>
+                <a:schemeClr val="bg1"/>
+              </a:solidFill>
+              <a:latin typeface="微软雅黑" panose="020B0503020204020204" pitchFamily="34" charset="-122"/>
+              <a:ea typeface="微软雅黑" panose="020B0503020204020204" pitchFamily="34" charset="-122"/>
+            </a:endParaRPr>
+          </a:p>
+        </p:txBody>
+      </p:sp>
+      <p:sp>
+        <p:nvSpPr>
+          <p:cNvPr id="3" name="文本框 2"/>
+          <p:cNvSpPr txBox="1"/>
+          <p:nvPr/>
+        </p:nvSpPr>
+        <p:spPr>
+          <a:xfrm>
+            <a:off x="1521229" y="887400"/>
+            <a:ext cx="9368444" cy="5816977"/>
+          </a:xfrm>
+          <a:prstGeom prst="rect">
+            <a:avLst/>
+          </a:prstGeom>
+          <a:noFill/>
+        </p:spPr>
+        <p:txBody>
+          <a:bodyPr wrap="square" rtlCol="0">
+            <a:spAutoFit/>
+          </a:bodyPr>
+          <a:lstStyle/>
+          <a:p>
+            <a:pPr marL="171450" indent="-171450">
+              <a:buFont typeface="Wingdings" panose="05000000000000000000" pitchFamily="2" charset="2"/>
+              <a:buChar char="l"/>
+            </a:pPr>
+            <a:endParaRPr lang="en-US" altLang="zh-CN" sz="1200" dirty="0" smtClean="0">
+              <a:solidFill>
+                <a:schemeClr val="bg1"/>
+              </a:solidFill>
+            </a:endParaRPr>
+          </a:p>
+          <a:p>
+            <a:pPr marL="171450" indent="-171450">
+              <a:buFont typeface="Wingdings" panose="05000000000000000000" pitchFamily="2" charset="2"/>
+              <a:buChar char="l"/>
+            </a:pPr>
+            <a:endParaRPr lang="en-US" altLang="zh-CN" sz="1200" dirty="0">
+              <a:solidFill>
+                <a:schemeClr val="bg1"/>
+              </a:solidFill>
+            </a:endParaRPr>
+          </a:p>
+          <a:p>
+            <a:pPr marL="171450" indent="-171450">
+              <a:buFont typeface="Wingdings" panose="05000000000000000000" pitchFamily="2" charset="2"/>
+              <a:buChar char="l"/>
+            </a:pPr>
+            <a:endParaRPr lang="en-US" altLang="zh-CN" sz="1200" dirty="0" smtClean="0">
+              <a:solidFill>
+                <a:schemeClr val="bg1"/>
+              </a:solidFill>
+            </a:endParaRPr>
+          </a:p>
+          <a:p>
+            <a:pPr marL="171450" indent="-171450">
+              <a:buFont typeface="Wingdings" panose="05000000000000000000" pitchFamily="2" charset="2"/>
+              <a:buChar char="l"/>
+            </a:pPr>
+            <a:r>
+              <a:rPr lang="en-US" altLang="zh-CN" sz="1200" dirty="0">
+                <a:solidFill>
+                  <a:schemeClr val="bg1"/>
+                </a:solidFill>
+              </a:rPr>
+              <a:t>《</a:t>
+            </a:r>
+            <a:r>
+              <a:rPr lang="zh-CN" altLang="en-US" sz="1200" dirty="0">
+                <a:solidFill>
+                  <a:schemeClr val="bg1"/>
+                </a:solidFill>
+              </a:rPr>
+              <a:t>互联网</a:t>
+            </a:r>
+            <a:r>
+              <a:rPr lang="en-US" altLang="zh-CN" sz="1200" dirty="0">
+                <a:solidFill>
+                  <a:schemeClr val="bg1"/>
+                </a:solidFill>
+              </a:rPr>
+              <a:t>+</a:t>
+            </a:r>
+            <a:r>
+              <a:rPr lang="zh-CN" altLang="en-US" sz="1200" dirty="0">
+                <a:solidFill>
+                  <a:schemeClr val="bg1"/>
+                </a:solidFill>
+              </a:rPr>
+              <a:t>人工智能三年行动实施方案</a:t>
+            </a:r>
+            <a:r>
+              <a:rPr lang="en-US" altLang="zh-CN" sz="1200" dirty="0">
+                <a:solidFill>
+                  <a:schemeClr val="bg1"/>
+                </a:solidFill>
+              </a:rPr>
+              <a:t>》</a:t>
+            </a:r>
+          </a:p>
+          <a:p>
+            <a:pPr marL="171450" indent="-171450">
+              <a:buFont typeface="Wingdings" panose="05000000000000000000" pitchFamily="2" charset="2"/>
+              <a:buChar char="l"/>
+            </a:pPr>
+            <a:endParaRPr lang="en-US" altLang="zh-CN" sz="1200" dirty="0">
+              <a:solidFill>
+                <a:schemeClr val="bg1"/>
+              </a:solidFill>
+            </a:endParaRPr>
+          </a:p>
+          <a:p>
+            <a:pPr marL="171450" indent="-171450">
+              <a:buFont typeface="Wingdings" panose="05000000000000000000" pitchFamily="2" charset="2"/>
+              <a:buChar char="l"/>
+            </a:pPr>
+            <a:r>
+              <a:rPr lang="en-US" altLang="zh-CN" sz="1200" dirty="0" smtClean="0">
+                <a:solidFill>
+                  <a:schemeClr val="bg1"/>
+                </a:solidFill>
+              </a:rPr>
+              <a:t>《</a:t>
+            </a:r>
+            <a:r>
+              <a:rPr lang="zh-CN" altLang="en-US" sz="1200" dirty="0">
+                <a:solidFill>
+                  <a:schemeClr val="bg1"/>
+                </a:solidFill>
+              </a:rPr>
+              <a:t>关于新一代人工智能发展规划</a:t>
+            </a:r>
+            <a:r>
+              <a:rPr lang="en-US" altLang="zh-CN" sz="1200" dirty="0">
+                <a:solidFill>
+                  <a:schemeClr val="bg1"/>
+                </a:solidFill>
+              </a:rPr>
+              <a:t>》</a:t>
+            </a:r>
+          </a:p>
+          <a:p>
+            <a:pPr marL="171450" indent="-171450">
+              <a:buFont typeface="Wingdings" panose="05000000000000000000" pitchFamily="2" charset="2"/>
+              <a:buChar char="l"/>
+            </a:pPr>
+            <a:endParaRPr lang="en-US" altLang="zh-CN" sz="1200" dirty="0">
+              <a:solidFill>
+                <a:schemeClr val="bg1"/>
+              </a:solidFill>
+            </a:endParaRPr>
+          </a:p>
+          <a:p>
+            <a:pPr marL="171450" indent="-171450">
+              <a:buFont typeface="Wingdings" panose="05000000000000000000" pitchFamily="2" charset="2"/>
+              <a:buChar char="l"/>
+            </a:pPr>
+            <a:r>
+              <a:rPr lang="zh-CN" altLang="en-US" sz="1200" dirty="0">
+                <a:solidFill>
+                  <a:schemeClr val="bg1"/>
+                </a:solidFill>
+              </a:rPr>
+              <a:t>人工智能辅助诊断技术管理规范（</a:t>
+            </a:r>
+            <a:r>
+              <a:rPr lang="en-US" altLang="zh-CN" sz="1200" dirty="0">
+                <a:solidFill>
+                  <a:schemeClr val="bg1"/>
+                </a:solidFill>
+              </a:rPr>
+              <a:t>2017</a:t>
+            </a:r>
+            <a:r>
+              <a:rPr lang="zh-CN" altLang="en-US" sz="1200" dirty="0">
+                <a:solidFill>
+                  <a:schemeClr val="bg1"/>
+                </a:solidFill>
+              </a:rPr>
+              <a:t>年版）</a:t>
+            </a:r>
+            <a:endParaRPr lang="en-US" altLang="zh-CN" sz="1200" dirty="0">
+              <a:solidFill>
+                <a:schemeClr val="bg1"/>
+              </a:solidFill>
+            </a:endParaRPr>
+          </a:p>
+          <a:p>
+            <a:pPr marL="171450" indent="-171450">
+              <a:buFont typeface="Wingdings" panose="05000000000000000000" pitchFamily="2" charset="2"/>
+              <a:buChar char="l"/>
+            </a:pPr>
+            <a:endParaRPr lang="zh-CN" altLang="en-US" sz="1200" dirty="0">
+              <a:solidFill>
+                <a:schemeClr val="bg1"/>
+              </a:solidFill>
+            </a:endParaRPr>
+          </a:p>
+          <a:p>
+            <a:pPr marL="171450" indent="-171450">
+              <a:buFont typeface="Wingdings" panose="05000000000000000000" pitchFamily="2" charset="2"/>
+              <a:buChar char="l"/>
+            </a:pPr>
+            <a:r>
+              <a:rPr lang="zh-CN" altLang="en-US" sz="1200" dirty="0">
+                <a:solidFill>
+                  <a:schemeClr val="bg1"/>
+                </a:solidFill>
+              </a:rPr>
+              <a:t>人工智能辅助诊断技术临床应用质量控制指标（</a:t>
+            </a:r>
+            <a:r>
+              <a:rPr lang="en-US" altLang="zh-CN" sz="1200" dirty="0">
+                <a:solidFill>
+                  <a:schemeClr val="bg1"/>
+                </a:solidFill>
+              </a:rPr>
+              <a:t>2017</a:t>
+            </a:r>
+            <a:r>
+              <a:rPr lang="zh-CN" altLang="en-US" sz="1200" dirty="0">
+                <a:solidFill>
+                  <a:schemeClr val="bg1"/>
+                </a:solidFill>
+              </a:rPr>
+              <a:t>年版）</a:t>
+            </a:r>
+            <a:endParaRPr lang="en-US" altLang="zh-CN" sz="1200" dirty="0">
+              <a:solidFill>
+                <a:schemeClr val="bg1"/>
+              </a:solidFill>
+            </a:endParaRPr>
+          </a:p>
+          <a:p>
+            <a:pPr marL="171450" indent="-171450">
+              <a:buFont typeface="Wingdings" panose="05000000000000000000" pitchFamily="2" charset="2"/>
+              <a:buChar char="l"/>
+            </a:pPr>
+            <a:endParaRPr lang="en-US" altLang="zh-CN" sz="1200" dirty="0">
+              <a:solidFill>
+                <a:schemeClr val="bg1"/>
+              </a:solidFill>
+            </a:endParaRPr>
+          </a:p>
+          <a:p>
+            <a:pPr marL="171450" indent="-171450">
+              <a:buFont typeface="Wingdings" panose="05000000000000000000" pitchFamily="2" charset="2"/>
+              <a:buChar char="l"/>
+            </a:pPr>
+            <a:r>
+              <a:rPr lang="zh-CN" altLang="en-US" sz="1200" dirty="0" smtClean="0">
+                <a:solidFill>
+                  <a:schemeClr val="bg1"/>
+                </a:solidFill>
+              </a:rPr>
+              <a:t>人工智能</a:t>
+            </a:r>
+            <a:r>
+              <a:rPr lang="zh-CN" altLang="en-US" sz="1200" dirty="0">
+                <a:solidFill>
+                  <a:schemeClr val="bg1"/>
+                </a:solidFill>
+              </a:rPr>
+              <a:t>（</a:t>
+            </a:r>
+            <a:r>
+              <a:rPr lang="en-US" altLang="zh-CN" sz="1200" dirty="0">
+                <a:solidFill>
+                  <a:schemeClr val="bg1"/>
+                </a:solidFill>
+              </a:rPr>
+              <a:t>AI</a:t>
+            </a:r>
+            <a:r>
+              <a:rPr lang="zh-CN" altLang="en-US" sz="1200" dirty="0">
+                <a:solidFill>
+                  <a:schemeClr val="bg1"/>
+                </a:solidFill>
+              </a:rPr>
+              <a:t>）医疗市场遍地黄金未来商机上看百亿</a:t>
+            </a:r>
+            <a:r>
+              <a:rPr lang="zh-CN" altLang="en-US" sz="1200" dirty="0" smtClean="0">
+                <a:solidFill>
+                  <a:schemeClr val="bg1"/>
+                </a:solidFill>
+              </a:rPr>
+              <a:t>美金</a:t>
+            </a:r>
+            <a:endParaRPr lang="en-US" altLang="zh-CN" sz="1200" dirty="0">
+              <a:solidFill>
+                <a:schemeClr val="bg1"/>
+              </a:solidFill>
+            </a:endParaRPr>
+          </a:p>
+          <a:p>
+            <a:pPr marL="171450" indent="-171450">
+              <a:buFont typeface="Wingdings" panose="05000000000000000000" pitchFamily="2" charset="2"/>
+              <a:buChar char="l"/>
+            </a:pPr>
+            <a:endParaRPr lang="en-US" altLang="zh-CN" sz="1200" dirty="0" smtClean="0">
+              <a:solidFill>
+                <a:schemeClr val="bg1"/>
+              </a:solidFill>
+            </a:endParaRPr>
+          </a:p>
+          <a:p>
+            <a:pPr marL="171450" indent="-171450">
+              <a:buFont typeface="Wingdings" panose="05000000000000000000" pitchFamily="2" charset="2"/>
+              <a:buChar char="l"/>
+            </a:pPr>
+            <a:r>
+              <a:rPr lang="en-US" altLang="zh-CN" sz="1200" dirty="0" smtClean="0">
+                <a:solidFill>
+                  <a:schemeClr val="bg1"/>
+                </a:solidFill>
+              </a:rPr>
+              <a:t>2016-2017</a:t>
+            </a:r>
+            <a:r>
+              <a:rPr lang="zh-CN" altLang="en-US" sz="1200" dirty="0">
+                <a:solidFill>
+                  <a:schemeClr val="bg1"/>
+                </a:solidFill>
+              </a:rPr>
+              <a:t>年度人工智能</a:t>
+            </a:r>
+            <a:r>
+              <a:rPr lang="en-US" altLang="zh-CN" sz="1200" dirty="0">
+                <a:solidFill>
+                  <a:schemeClr val="bg1"/>
+                </a:solidFill>
+              </a:rPr>
+              <a:t>+</a:t>
+            </a:r>
+            <a:r>
+              <a:rPr lang="zh-CN" altLang="en-US" sz="1200" dirty="0">
+                <a:solidFill>
+                  <a:schemeClr val="bg1"/>
+                </a:solidFill>
+              </a:rPr>
+              <a:t>医疗市场分析及趋势</a:t>
+            </a:r>
+            <a:r>
+              <a:rPr lang="zh-CN" altLang="en-US" sz="1200" dirty="0" smtClean="0">
+                <a:solidFill>
+                  <a:schemeClr val="bg1"/>
+                </a:solidFill>
+              </a:rPr>
+              <a:t>报告</a:t>
+            </a:r>
+            <a:endParaRPr lang="en-US" altLang="zh-CN" sz="1200" dirty="0" smtClean="0">
+              <a:solidFill>
+                <a:schemeClr val="bg1"/>
+              </a:solidFill>
+            </a:endParaRPr>
+          </a:p>
+          <a:p>
+            <a:pPr marL="171450" indent="-171450">
+              <a:buFont typeface="Wingdings" panose="05000000000000000000" pitchFamily="2" charset="2"/>
+              <a:buChar char="l"/>
+            </a:pPr>
+            <a:endParaRPr lang="en-US" altLang="zh-CN" sz="1200" dirty="0">
+              <a:solidFill>
+                <a:schemeClr val="bg1"/>
+              </a:solidFill>
+            </a:endParaRPr>
+          </a:p>
+          <a:p>
+            <a:pPr marL="171450" indent="-171450">
+              <a:buFont typeface="Wingdings" panose="05000000000000000000" pitchFamily="2" charset="2"/>
+              <a:buChar char="l"/>
+            </a:pPr>
+            <a:r>
+              <a:rPr lang="en-US" altLang="zh-CN" sz="1200" dirty="0" smtClean="0">
+                <a:solidFill>
+                  <a:schemeClr val="bg1"/>
+                </a:solidFill>
+              </a:rPr>
+              <a:t>2017</a:t>
+            </a:r>
+            <a:r>
+              <a:rPr lang="zh-CN" altLang="en-US" sz="1200" dirty="0">
+                <a:solidFill>
+                  <a:schemeClr val="bg1"/>
+                </a:solidFill>
+              </a:rPr>
+              <a:t>年医疗人工智能产业</a:t>
+            </a:r>
+            <a:r>
+              <a:rPr lang="zh-CN" altLang="en-US" sz="1200" dirty="0" smtClean="0">
+                <a:solidFill>
+                  <a:schemeClr val="bg1"/>
+                </a:solidFill>
+              </a:rPr>
+              <a:t>图谱</a:t>
+            </a:r>
+            <a:endParaRPr lang="en-US" altLang="zh-CN" sz="1200" dirty="0" smtClean="0">
+              <a:solidFill>
+                <a:schemeClr val="bg1"/>
+              </a:solidFill>
+            </a:endParaRPr>
+          </a:p>
+          <a:p>
+            <a:pPr marL="171450" indent="-171450">
+              <a:buFont typeface="Wingdings" panose="05000000000000000000" pitchFamily="2" charset="2"/>
+              <a:buChar char="l"/>
+            </a:pPr>
+            <a:endParaRPr lang="en-US" altLang="zh-CN" sz="1200" dirty="0">
+              <a:solidFill>
+                <a:schemeClr val="bg1"/>
+              </a:solidFill>
+            </a:endParaRPr>
+          </a:p>
+          <a:p>
+            <a:pPr marL="171450" indent="-171450">
+              <a:buFont typeface="Wingdings" panose="05000000000000000000" pitchFamily="2" charset="2"/>
+              <a:buChar char="l"/>
+            </a:pPr>
+            <a:r>
+              <a:rPr lang="en-US" altLang="zh-CN" sz="1200" dirty="0" smtClean="0">
+                <a:solidFill>
+                  <a:schemeClr val="bg1"/>
+                </a:solidFill>
+              </a:rPr>
+              <a:t>AI</a:t>
+            </a:r>
+            <a:r>
+              <a:rPr lang="zh-CN" altLang="en-US" sz="1200" dirty="0">
+                <a:solidFill>
+                  <a:schemeClr val="bg1"/>
+                </a:solidFill>
+              </a:rPr>
+              <a:t>商业化“二次革命”的产业落地</a:t>
+            </a:r>
+            <a:r>
+              <a:rPr lang="en-US" altLang="zh-CN" sz="1200" dirty="0">
+                <a:solidFill>
+                  <a:schemeClr val="bg1"/>
+                </a:solidFill>
+              </a:rPr>
+              <a:t>—</a:t>
+            </a:r>
+            <a:r>
+              <a:rPr lang="zh-CN" altLang="en-US" sz="1200" dirty="0">
+                <a:solidFill>
+                  <a:schemeClr val="bg1"/>
+                </a:solidFill>
+              </a:rPr>
+              <a:t>中国</a:t>
+            </a:r>
+            <a:r>
+              <a:rPr lang="en-US" altLang="zh-CN" sz="1200" dirty="0">
+                <a:solidFill>
+                  <a:schemeClr val="bg1"/>
+                </a:solidFill>
+              </a:rPr>
+              <a:t>AI</a:t>
+            </a:r>
+            <a:r>
+              <a:rPr lang="zh-CN" altLang="en-US" sz="1200" dirty="0">
+                <a:solidFill>
+                  <a:schemeClr val="bg1"/>
+                </a:solidFill>
+              </a:rPr>
+              <a:t>投资市场研究</a:t>
+            </a:r>
+            <a:r>
+              <a:rPr lang="zh-CN" altLang="en-US" sz="1200" dirty="0" smtClean="0">
+                <a:solidFill>
+                  <a:schemeClr val="bg1"/>
+                </a:solidFill>
+              </a:rPr>
+              <a:t>报告</a:t>
+            </a:r>
+            <a:endParaRPr lang="en-US" altLang="zh-CN" sz="1200" dirty="0" smtClean="0">
+              <a:solidFill>
+                <a:schemeClr val="bg1"/>
+              </a:solidFill>
+            </a:endParaRPr>
+          </a:p>
+          <a:p>
+            <a:pPr marL="171450" indent="-171450">
+              <a:buFont typeface="Wingdings" panose="05000000000000000000" pitchFamily="2" charset="2"/>
+              <a:buChar char="l"/>
+            </a:pPr>
+            <a:endParaRPr lang="en-US" altLang="zh-CN" sz="1200" dirty="0" smtClean="0">
+              <a:solidFill>
+                <a:schemeClr val="bg1"/>
+              </a:solidFill>
+            </a:endParaRPr>
+          </a:p>
+          <a:p>
+            <a:pPr marL="171450" indent="-171450">
+              <a:buFont typeface="Wingdings" panose="05000000000000000000" pitchFamily="2" charset="2"/>
+              <a:buChar char="l"/>
+            </a:pPr>
+            <a:r>
+              <a:rPr lang="zh-CN" altLang="zh-CN" sz="1200" dirty="0" smtClean="0">
+                <a:solidFill>
+                  <a:schemeClr val="bg1"/>
+                </a:solidFill>
+              </a:rPr>
+              <a:t>高</a:t>
+            </a:r>
+            <a:r>
+              <a:rPr lang="zh-CN" altLang="zh-CN" sz="1200" dirty="0">
+                <a:solidFill>
+                  <a:schemeClr val="bg1"/>
+                </a:solidFill>
+              </a:rPr>
+              <a:t>特佳汤衡：人工智能</a:t>
+            </a:r>
+            <a:r>
+              <a:rPr lang="en-US" altLang="zh-CN" sz="1200" dirty="0">
+                <a:solidFill>
+                  <a:schemeClr val="bg1"/>
+                </a:solidFill>
+              </a:rPr>
+              <a:t>+</a:t>
+            </a:r>
+            <a:r>
+              <a:rPr lang="zh-CN" altLang="zh-CN" sz="1200" dirty="0">
+                <a:solidFill>
+                  <a:schemeClr val="bg1"/>
+                </a:solidFill>
+              </a:rPr>
+              <a:t>医疗的</a:t>
+            </a:r>
+            <a:r>
+              <a:rPr lang="en-US" altLang="zh-CN" sz="1200" dirty="0">
+                <a:solidFill>
+                  <a:schemeClr val="bg1"/>
+                </a:solidFill>
+              </a:rPr>
+              <a:t>2700</a:t>
+            </a:r>
+            <a:r>
+              <a:rPr lang="zh-CN" altLang="zh-CN" sz="1200" dirty="0">
+                <a:solidFill>
+                  <a:schemeClr val="bg1"/>
+                </a:solidFill>
+              </a:rPr>
+              <a:t>亿市场分析</a:t>
+            </a:r>
+            <a:r>
+              <a:rPr lang="en-US" altLang="zh-CN" sz="1200" dirty="0">
+                <a:solidFill>
+                  <a:schemeClr val="bg1"/>
+                </a:solidFill>
+              </a:rPr>
+              <a:t> - </a:t>
+            </a:r>
+            <a:r>
+              <a:rPr lang="zh-CN" altLang="zh-CN" sz="1200" dirty="0">
+                <a:solidFill>
+                  <a:schemeClr val="bg1"/>
+                </a:solidFill>
+              </a:rPr>
+              <a:t>产经要闻</a:t>
+            </a:r>
+            <a:r>
+              <a:rPr lang="en-US" altLang="zh-CN" sz="1200" dirty="0">
+                <a:solidFill>
+                  <a:schemeClr val="bg1"/>
+                </a:solidFill>
+              </a:rPr>
+              <a:t> - </a:t>
+            </a:r>
+            <a:r>
+              <a:rPr lang="zh-CN" altLang="zh-CN" sz="1200" dirty="0">
+                <a:solidFill>
+                  <a:schemeClr val="bg1"/>
+                </a:solidFill>
+              </a:rPr>
+              <a:t>科技</a:t>
+            </a:r>
+            <a:r>
+              <a:rPr lang="zh-CN" altLang="zh-CN" sz="1200" dirty="0" smtClean="0">
+                <a:solidFill>
+                  <a:schemeClr val="bg1"/>
+                </a:solidFill>
+              </a:rPr>
+              <a:t>讯</a:t>
+            </a:r>
+            <a:endParaRPr lang="en-US" altLang="zh-CN" sz="1200" dirty="0" smtClean="0">
+              <a:solidFill>
+                <a:schemeClr val="bg1"/>
+              </a:solidFill>
+            </a:endParaRPr>
+          </a:p>
+          <a:p>
+            <a:pPr marL="171450" indent="-171450">
+              <a:buFont typeface="Wingdings" panose="05000000000000000000" pitchFamily="2" charset="2"/>
+              <a:buChar char="l"/>
+            </a:pPr>
+            <a:endParaRPr lang="zh-CN" altLang="zh-CN" sz="1200" dirty="0">
+              <a:solidFill>
+                <a:schemeClr val="bg1"/>
+              </a:solidFill>
+            </a:endParaRPr>
+          </a:p>
+          <a:p>
+            <a:pPr marL="171450" indent="-171450">
+              <a:buFont typeface="Wingdings" panose="05000000000000000000" pitchFamily="2" charset="2"/>
+              <a:buChar char="l"/>
+            </a:pPr>
+            <a:r>
+              <a:rPr lang="zh-CN" altLang="zh-CN" sz="1200" dirty="0" smtClean="0">
+                <a:solidFill>
+                  <a:schemeClr val="bg1"/>
+                </a:solidFill>
+              </a:rPr>
+              <a:t>医疗</a:t>
+            </a:r>
+            <a:r>
+              <a:rPr lang="zh-CN" altLang="zh-CN" sz="1200" dirty="0">
+                <a:solidFill>
+                  <a:schemeClr val="bg1"/>
+                </a:solidFill>
+              </a:rPr>
+              <a:t>人工智能：长期看好，得商业模式者得</a:t>
+            </a:r>
+            <a:r>
+              <a:rPr lang="zh-CN" altLang="zh-CN" sz="1200" dirty="0" smtClean="0">
+                <a:solidFill>
+                  <a:schemeClr val="bg1"/>
+                </a:solidFill>
+              </a:rPr>
+              <a:t>天下</a:t>
+            </a:r>
+            <a:endParaRPr lang="en-US" altLang="zh-CN" sz="1200" dirty="0" smtClean="0">
+              <a:solidFill>
+                <a:schemeClr val="bg1"/>
+              </a:solidFill>
+            </a:endParaRPr>
+          </a:p>
+          <a:p>
+            <a:pPr marL="171450" indent="-171450">
+              <a:buFont typeface="Wingdings" panose="05000000000000000000" pitchFamily="2" charset="2"/>
+              <a:buChar char="l"/>
+            </a:pPr>
+            <a:endParaRPr lang="en-US" altLang="zh-CN" sz="1200" dirty="0" smtClean="0">
+              <a:solidFill>
+                <a:schemeClr val="bg1"/>
+              </a:solidFill>
+            </a:endParaRPr>
+          </a:p>
+          <a:p>
+            <a:pPr marL="171450" indent="-171450">
+              <a:buFont typeface="Wingdings" panose="05000000000000000000" pitchFamily="2" charset="2"/>
+              <a:buChar char="l"/>
+            </a:pPr>
+            <a:r>
+              <a:rPr lang="zh-CN" altLang="zh-CN" sz="1200" dirty="0" smtClean="0">
+                <a:solidFill>
+                  <a:schemeClr val="bg1"/>
+                </a:solidFill>
+              </a:rPr>
+              <a:t>一</a:t>
+            </a:r>
+            <a:r>
+              <a:rPr lang="zh-CN" altLang="zh-CN" sz="1200" dirty="0">
+                <a:solidFill>
+                  <a:schemeClr val="bg1"/>
+                </a:solidFill>
+              </a:rPr>
+              <a:t>张图看懂我国</a:t>
+            </a:r>
+            <a:r>
+              <a:rPr lang="en-US" altLang="zh-CN" sz="1200" dirty="0">
+                <a:solidFill>
+                  <a:schemeClr val="bg1"/>
+                </a:solidFill>
+              </a:rPr>
+              <a:t>AI</a:t>
+            </a:r>
+            <a:r>
+              <a:rPr lang="zh-CN" altLang="zh-CN" sz="1200" dirty="0">
+                <a:solidFill>
+                  <a:schemeClr val="bg1"/>
+                </a:solidFill>
+              </a:rPr>
+              <a:t>医疗及人工智能医疗公司</a:t>
+            </a:r>
+            <a:r>
+              <a:rPr lang="zh-CN" altLang="zh-CN" sz="1200" dirty="0" smtClean="0">
+                <a:solidFill>
+                  <a:schemeClr val="bg1"/>
+                </a:solidFill>
+              </a:rPr>
+              <a:t>现状</a:t>
+            </a:r>
+            <a:endParaRPr lang="en-US" altLang="zh-CN" sz="1200" dirty="0" smtClean="0">
+              <a:solidFill>
+                <a:schemeClr val="bg1"/>
+              </a:solidFill>
+            </a:endParaRPr>
+          </a:p>
+          <a:p>
+            <a:pPr marL="171450" indent="-171450">
+              <a:buFont typeface="Wingdings" panose="05000000000000000000" pitchFamily="2" charset="2"/>
+              <a:buChar char="l"/>
+            </a:pPr>
+            <a:endParaRPr lang="zh-CN" altLang="zh-CN" sz="1200" dirty="0">
+              <a:solidFill>
+                <a:schemeClr val="bg1"/>
+              </a:solidFill>
+            </a:endParaRPr>
+          </a:p>
+          <a:p>
+            <a:pPr marL="171450" indent="-171450">
+              <a:buFont typeface="Wingdings" panose="05000000000000000000" pitchFamily="2" charset="2"/>
+              <a:buChar char="l"/>
+            </a:pPr>
+            <a:r>
+              <a:rPr lang="zh-CN" altLang="zh-CN" sz="1200" dirty="0" smtClean="0">
+                <a:solidFill>
+                  <a:schemeClr val="bg1"/>
+                </a:solidFill>
+              </a:rPr>
+              <a:t>创建</a:t>
+            </a:r>
+            <a:r>
+              <a:rPr lang="zh-CN" altLang="zh-CN" sz="1200" dirty="0">
+                <a:solidFill>
+                  <a:schemeClr val="bg1"/>
+                </a:solidFill>
+              </a:rPr>
+              <a:t>“虚拟医生”帮你诊断疾病，</a:t>
+            </a:r>
+            <a:r>
+              <a:rPr lang="en-US" altLang="zh-CN" sz="1200" dirty="0">
+                <a:solidFill>
+                  <a:schemeClr val="bg1"/>
+                </a:solidFill>
+              </a:rPr>
+              <a:t>Buoy Health</a:t>
+            </a:r>
+            <a:r>
+              <a:rPr lang="zh-CN" altLang="zh-CN" sz="1200" dirty="0">
+                <a:solidFill>
+                  <a:schemeClr val="bg1"/>
+                </a:solidFill>
+              </a:rPr>
+              <a:t>获</a:t>
+            </a:r>
+            <a:r>
+              <a:rPr lang="en-US" altLang="zh-CN" sz="1200" dirty="0">
+                <a:solidFill>
+                  <a:schemeClr val="bg1"/>
+                </a:solidFill>
+              </a:rPr>
+              <a:t>670</a:t>
+            </a:r>
+            <a:r>
+              <a:rPr lang="zh-CN" altLang="zh-CN" sz="1200" dirty="0">
+                <a:solidFill>
+                  <a:schemeClr val="bg1"/>
+                </a:solidFill>
+              </a:rPr>
+              <a:t>万美元</a:t>
+            </a:r>
+            <a:r>
+              <a:rPr lang="en-US" altLang="zh-CN" sz="1200" dirty="0">
+                <a:solidFill>
+                  <a:schemeClr val="bg1"/>
+                </a:solidFill>
+              </a:rPr>
+              <a:t>A</a:t>
+            </a:r>
+            <a:r>
+              <a:rPr lang="zh-CN" altLang="zh-CN" sz="1200" dirty="0">
+                <a:solidFill>
+                  <a:schemeClr val="bg1"/>
+                </a:solidFill>
+              </a:rPr>
+              <a:t>轮融资</a:t>
+            </a:r>
+            <a:r>
+              <a:rPr lang="en-US" altLang="zh-CN" sz="1200" dirty="0">
+                <a:solidFill>
+                  <a:schemeClr val="bg1"/>
+                </a:solidFill>
+              </a:rPr>
+              <a:t>_36</a:t>
+            </a:r>
+            <a:r>
+              <a:rPr lang="zh-CN" altLang="zh-CN" sz="1200" dirty="0" smtClean="0">
+                <a:solidFill>
+                  <a:schemeClr val="bg1"/>
+                </a:solidFill>
+              </a:rPr>
+              <a:t>氪</a:t>
+            </a:r>
+            <a:endParaRPr lang="en-US" altLang="zh-CN" sz="1200" dirty="0" smtClean="0">
+              <a:solidFill>
+                <a:schemeClr val="bg1"/>
+              </a:solidFill>
+            </a:endParaRPr>
+          </a:p>
+          <a:p>
+            <a:pPr marL="171450" indent="-171450">
+              <a:buFont typeface="Wingdings" panose="05000000000000000000" pitchFamily="2" charset="2"/>
+              <a:buChar char="l"/>
+            </a:pPr>
+            <a:endParaRPr lang="zh-CN" altLang="zh-CN" sz="1200" dirty="0">
+              <a:solidFill>
+                <a:schemeClr val="bg1"/>
+              </a:solidFill>
+            </a:endParaRPr>
+          </a:p>
+          <a:p>
+            <a:pPr marL="171450" indent="-171450">
+              <a:buFont typeface="Wingdings" panose="05000000000000000000" pitchFamily="2" charset="2"/>
+              <a:buChar char="l"/>
+            </a:pPr>
+            <a:r>
+              <a:rPr lang="zh-CN" altLang="zh-CN" sz="1200" dirty="0" smtClean="0">
+                <a:solidFill>
+                  <a:schemeClr val="bg1"/>
+                </a:solidFill>
+              </a:rPr>
+              <a:t>初创</a:t>
+            </a:r>
+            <a:r>
+              <a:rPr lang="zh-CN" altLang="zh-CN" sz="1200" dirty="0">
+                <a:solidFill>
+                  <a:schemeClr val="bg1"/>
+                </a:solidFill>
+              </a:rPr>
+              <a:t>公司</a:t>
+            </a:r>
+            <a:r>
+              <a:rPr lang="en-US" altLang="zh-CN" sz="1200" dirty="0">
+                <a:solidFill>
+                  <a:schemeClr val="bg1"/>
+                </a:solidFill>
+              </a:rPr>
+              <a:t> Babylon Health </a:t>
+            </a:r>
+            <a:r>
+              <a:rPr lang="zh-CN" altLang="zh-CN" sz="1200" dirty="0">
+                <a:solidFill>
+                  <a:schemeClr val="bg1"/>
+                </a:solidFill>
+              </a:rPr>
+              <a:t>获得</a:t>
+            </a:r>
+            <a:r>
+              <a:rPr lang="en-US" altLang="zh-CN" sz="1200" dirty="0">
+                <a:solidFill>
+                  <a:schemeClr val="bg1"/>
+                </a:solidFill>
+              </a:rPr>
+              <a:t> 6000 </a:t>
+            </a:r>
+            <a:r>
+              <a:rPr lang="zh-CN" altLang="zh-CN" sz="1200" dirty="0">
+                <a:solidFill>
+                  <a:schemeClr val="bg1"/>
+                </a:solidFill>
+              </a:rPr>
+              <a:t>万美元融资，想用人工智能完成医疗诊断</a:t>
+            </a:r>
+            <a:r>
+              <a:rPr lang="en-US" altLang="zh-CN" sz="1200" dirty="0">
+                <a:solidFill>
+                  <a:schemeClr val="bg1"/>
+                </a:solidFill>
+              </a:rPr>
+              <a:t>_36</a:t>
+            </a:r>
+            <a:r>
+              <a:rPr lang="zh-CN" altLang="zh-CN" sz="1200" dirty="0" smtClean="0">
+                <a:solidFill>
+                  <a:schemeClr val="bg1"/>
+                </a:solidFill>
+              </a:rPr>
+              <a:t>氪</a:t>
+            </a:r>
+            <a:endParaRPr lang="en-US" altLang="zh-CN" sz="1200" dirty="0">
+              <a:solidFill>
+                <a:schemeClr val="bg1"/>
+              </a:solidFill>
+            </a:endParaRPr>
+          </a:p>
+          <a:p>
+            <a:pPr marL="171450" indent="-171450">
+              <a:buFont typeface="Wingdings" panose="05000000000000000000" pitchFamily="2" charset="2"/>
+              <a:buChar char="l"/>
+            </a:pPr>
+            <a:endParaRPr lang="zh-CN" altLang="zh-CN" sz="1200" dirty="0">
+              <a:solidFill>
+                <a:schemeClr val="bg1"/>
+              </a:solidFill>
+            </a:endParaRPr>
+          </a:p>
+          <a:p>
+            <a:pPr marL="171450" indent="-171450">
+              <a:buFont typeface="Wingdings" panose="05000000000000000000" pitchFamily="2" charset="2"/>
+              <a:buChar char="l"/>
+            </a:pPr>
+            <a:r>
+              <a:rPr lang="zh-CN" altLang="zh-CN" sz="1200" dirty="0" smtClean="0">
+                <a:solidFill>
+                  <a:schemeClr val="bg1"/>
+                </a:solidFill>
+              </a:rPr>
+              <a:t>开发</a:t>
+            </a:r>
+            <a:r>
+              <a:rPr lang="zh-CN" altLang="zh-CN" sz="1200" dirty="0">
+                <a:solidFill>
+                  <a:schemeClr val="bg1"/>
+                </a:solidFill>
+              </a:rPr>
+              <a:t>基于人工智能的医学影像分析诊断系统，图玛深维获百万美元</a:t>
+            </a:r>
+            <a:r>
+              <a:rPr lang="en-US" altLang="zh-CN" sz="1200" dirty="0">
+                <a:solidFill>
+                  <a:schemeClr val="bg1"/>
+                </a:solidFill>
+              </a:rPr>
+              <a:t>Pre-A</a:t>
+            </a:r>
+            <a:r>
+              <a:rPr lang="zh-CN" altLang="zh-CN" sz="1200" dirty="0">
+                <a:solidFill>
+                  <a:schemeClr val="bg1"/>
+                </a:solidFill>
+              </a:rPr>
+              <a:t>轮融资</a:t>
+            </a:r>
+            <a:r>
+              <a:rPr lang="en-US" altLang="zh-CN" sz="1200" dirty="0">
+                <a:solidFill>
+                  <a:schemeClr val="bg1"/>
+                </a:solidFill>
+              </a:rPr>
+              <a:t>_36</a:t>
+            </a:r>
+            <a:r>
+              <a:rPr lang="zh-CN" altLang="zh-CN" sz="1200" dirty="0">
+                <a:solidFill>
+                  <a:schemeClr val="bg1"/>
+                </a:solidFill>
+              </a:rPr>
+              <a:t>氪</a:t>
+            </a:r>
+            <a:r>
+              <a:rPr lang="en-US" altLang="zh-CN" sz="1200" dirty="0">
+                <a:solidFill>
+                  <a:schemeClr val="bg1"/>
+                </a:solidFill>
+              </a:rPr>
+              <a:t>.</a:t>
+            </a:r>
+            <a:endParaRPr lang="zh-CN" altLang="zh-CN" sz="1200" dirty="0">
+              <a:solidFill>
+                <a:schemeClr val="bg1"/>
+              </a:solidFill>
+            </a:endParaRPr>
+          </a:p>
+          <a:p>
+            <a:pPr marL="171450" indent="-171450">
+              <a:buFont typeface="Wingdings" panose="05000000000000000000" pitchFamily="2" charset="2"/>
+              <a:buChar char="l"/>
+            </a:pPr>
+            <a:endParaRPr lang="zh-CN" altLang="en-US" sz="1200" dirty="0">
+              <a:solidFill>
+                <a:schemeClr val="bg1"/>
+              </a:solidFill>
+            </a:endParaRPr>
+          </a:p>
+        </p:txBody>
+      </p:sp>
+    </p:spTree>
+    <p:extLst>
+      <p:ext uri="{BB962C8B-B14F-4D97-AF65-F5344CB8AC3E}">
+        <p14:creationId xmlns:p14="http://schemas.microsoft.com/office/powerpoint/2010/main" val="3429596408"/>
+      </p:ext>
+    </p:extLst>
+  </p:cSld>
+  <p:clrMapOvr>
+    <a:masterClrMapping/>
+  </p:clrMapOvr>
+  <p:timing>
+    <p:tnLst>
+      <p:par>
+        <p:cTn id="1" dur="indefinite" restart="never" nodeType="tmRoot"/>
+      </p:par>
+    </p:tnLst>
+  </p:timing>
+</p:sld>
+</file>
+
+<file path=ppt/slides/slide11.xml><?xml version="1.0" encoding="utf-8"?>
+<p:sld xmlns:a="http://schemas.openxmlformats.org/drawingml/2006/main" xmlns:r="http://schemas.openxmlformats.org/officeDocument/2006/relationships" xmlns:p="http://schemas.openxmlformats.org/presentationml/2006/main">
+  <p:cSld>
+    <p:spTree>
+      <p:nvGrpSpPr>
+        <p:cNvPr id="1" name=""/>
+        <p:cNvGrpSpPr/>
+        <p:nvPr/>
+      </p:nvGrpSpPr>
+      <p:grpSpPr>
+        <a:xfrm>
+          <a:off x="0" y="0"/>
+          <a:ext cx="0" cy="0"/>
+          <a:chOff x="0" y="0"/>
+          <a:chExt cx="0" cy="0"/>
+        </a:xfrm>
+      </p:grpSpPr>
+      <p:sp>
+        <p:nvSpPr>
+          <p:cNvPr id="4" name="文本框 3"/>
+          <p:cNvSpPr txBox="1"/>
+          <p:nvPr/>
+        </p:nvSpPr>
+        <p:spPr>
+          <a:xfrm>
+            <a:off x="2584174" y="2375453"/>
+            <a:ext cx="7533861" cy="2246769"/>
+          </a:xfrm>
+          <a:prstGeom prst="rect">
+            <a:avLst/>
+          </a:prstGeom>
+          <a:noFill/>
+        </p:spPr>
+        <p:txBody>
+          <a:bodyPr wrap="square" rtlCol="0">
+            <a:spAutoFit/>
+          </a:bodyPr>
+          <a:lstStyle/>
+          <a:p>
+            <a:r>
+              <a:rPr lang="en-US" altLang="zh-CN" sz="14000" dirty="0" smtClean="0">
+                <a:solidFill>
+                  <a:schemeClr val="bg1"/>
+                </a:solidFill>
+              </a:rPr>
+              <a:t>THANKS!</a:t>
+            </a:r>
+            <a:endParaRPr lang="zh-CN" altLang="en-US" sz="14000" dirty="0">
+              <a:solidFill>
+                <a:schemeClr val="bg1"/>
+              </a:solidFill>
+            </a:endParaRPr>
+          </a:p>
+        </p:txBody>
+      </p:sp>
+    </p:spTree>
+    <p:extLst>
+      <p:ext uri="{BB962C8B-B14F-4D97-AF65-F5344CB8AC3E}">
+        <p14:creationId xmlns:p14="http://schemas.microsoft.com/office/powerpoint/2010/main" val="1546886818"/>
       </p:ext>
     </p:extLst>
   </p:cSld>
@@ -5599,7 +6733,7 @@
         </p:nvSpPr>
         <p:spPr>
           <a:xfrm>
-            <a:off x="23973" y="74751"/>
+            <a:off x="23973" y="84690"/>
             <a:ext cx="2757161" cy="1077218"/>
           </a:xfrm>
           <a:prstGeom prst="rect">
@@ -5682,13 +6816,6 @@
               </a:rPr>
               <a:t>KPI</a:t>
             </a:r>
-            <a:endParaRPr lang="en-US" altLang="zh-CN" sz="3200" dirty="0">
-              <a:solidFill>
-                <a:schemeClr val="bg1"/>
-              </a:solidFill>
-              <a:latin typeface="微软雅黑" panose="020B0503020204020204" pitchFamily="34" charset="-122"/>
-              <a:ea typeface="微软雅黑" panose="020B0503020204020204" pitchFamily="34" charset="-122"/>
-            </a:endParaRPr>
           </a:p>
         </p:txBody>
       </p:sp>
@@ -6273,6 +7400,581 @@
           <a:chExt cx="0" cy="0"/>
         </a:xfrm>
       </p:grpSpPr>
+      <p:sp>
+        <p:nvSpPr>
+          <p:cNvPr id="4" name="文本框 3"/>
+          <p:cNvSpPr txBox="1"/>
+          <p:nvPr/>
+        </p:nvSpPr>
+        <p:spPr>
+          <a:xfrm>
+            <a:off x="23973" y="84690"/>
+            <a:ext cx="2757161" cy="1569660"/>
+          </a:xfrm>
+          <a:prstGeom prst="rect">
+            <a:avLst/>
+          </a:prstGeom>
+          <a:noFill/>
+        </p:spPr>
+        <p:txBody>
+          <a:bodyPr wrap="square" rtlCol="0">
+            <a:spAutoFit/>
+          </a:bodyPr>
+          <a:lstStyle/>
+          <a:p>
+            <a:r>
+              <a:rPr lang="zh-CN" altLang="en-US" sz="3200" dirty="0" smtClean="0">
+                <a:solidFill>
+                  <a:schemeClr val="bg1"/>
+                </a:solidFill>
+                <a:latin typeface="微软雅黑" panose="020B0503020204020204" pitchFamily="34" charset="-122"/>
+                <a:ea typeface="微软雅黑" panose="020B0503020204020204" pitchFamily="34" charset="-122"/>
+              </a:rPr>
+              <a:t>衡量人工智能辅助诊断产业</a:t>
+            </a:r>
+            <a:endParaRPr lang="en-US" altLang="zh-CN" sz="3200" dirty="0" smtClean="0">
+              <a:solidFill>
+                <a:schemeClr val="bg1"/>
+              </a:solidFill>
+              <a:latin typeface="微软雅黑" panose="020B0503020204020204" pitchFamily="34" charset="-122"/>
+              <a:ea typeface="微软雅黑" panose="020B0503020204020204" pitchFamily="34" charset="-122"/>
+            </a:endParaRPr>
+          </a:p>
+          <a:p>
+            <a:r>
+              <a:rPr lang="zh-CN" altLang="en-US" sz="3200" dirty="0" smtClean="0">
+                <a:solidFill>
+                  <a:schemeClr val="bg1"/>
+                </a:solidFill>
+                <a:latin typeface="微软雅黑" panose="020B0503020204020204" pitchFamily="34" charset="-122"/>
+                <a:ea typeface="微软雅黑" panose="020B0503020204020204" pitchFamily="34" charset="-122"/>
+              </a:rPr>
+              <a:t>的</a:t>
+            </a:r>
+            <a:r>
+              <a:rPr lang="en-US" altLang="zh-CN" sz="3200" dirty="0" smtClean="0">
+                <a:solidFill>
+                  <a:schemeClr val="bg1"/>
+                </a:solidFill>
+                <a:latin typeface="微软雅黑" panose="020B0503020204020204" pitchFamily="34" charset="-122"/>
+                <a:ea typeface="微软雅黑" panose="020B0503020204020204" pitchFamily="34" charset="-122"/>
+              </a:rPr>
+              <a:t>PPA</a:t>
+            </a:r>
+            <a:endParaRPr lang="en-US" altLang="zh-CN" sz="3200" dirty="0">
+              <a:solidFill>
+                <a:schemeClr val="bg1"/>
+              </a:solidFill>
+              <a:latin typeface="微软雅黑" panose="020B0503020204020204" pitchFamily="34" charset="-122"/>
+              <a:ea typeface="微软雅黑" panose="020B0503020204020204" pitchFamily="34" charset="-122"/>
+            </a:endParaRPr>
+          </a:p>
+        </p:txBody>
+      </p:sp>
+      <p:grpSp>
+        <p:nvGrpSpPr>
+          <p:cNvPr id="8" name="组合 7"/>
+          <p:cNvGrpSpPr/>
+          <p:nvPr/>
+        </p:nvGrpSpPr>
+        <p:grpSpPr>
+          <a:xfrm>
+            <a:off x="7762461" y="4802271"/>
+            <a:ext cx="2584174" cy="839340"/>
+            <a:chOff x="4959626" y="1729410"/>
+            <a:chExt cx="2584174" cy="839340"/>
+          </a:xfrm>
+        </p:grpSpPr>
+        <p:sp>
+          <p:nvSpPr>
+            <p:cNvPr id="6" name="圆角矩形 5"/>
+            <p:cNvSpPr/>
+            <p:nvPr/>
+          </p:nvSpPr>
+          <p:spPr>
+            <a:xfrm>
+              <a:off x="4959626" y="1729410"/>
+              <a:ext cx="2315817" cy="839340"/>
+            </a:xfrm>
+            <a:prstGeom prst="roundRect">
+              <a:avLst/>
+            </a:prstGeom>
+            <a:solidFill>
+              <a:schemeClr val="tx1">
+                <a:lumMod val="50000"/>
+                <a:lumOff val="50000"/>
+                <a:alpha val="53000"/>
+              </a:schemeClr>
+            </a:solidFill>
+            <a:ln>
+              <a:noFill/>
+            </a:ln>
+          </p:spPr>
+          <p:style>
+            <a:lnRef idx="2">
+              <a:schemeClr val="accent1">
+                <a:shade val="50000"/>
+              </a:schemeClr>
+            </a:lnRef>
+            <a:fillRef idx="1">
+              <a:schemeClr val="accent1"/>
+            </a:fillRef>
+            <a:effectRef idx="0">
+              <a:schemeClr val="accent1"/>
+            </a:effectRef>
+            <a:fontRef idx="minor">
+              <a:schemeClr val="lt1"/>
+            </a:fontRef>
+          </p:style>
+          <p:txBody>
+            <a:bodyPr rtlCol="0" anchor="ctr"/>
+            <a:lstStyle/>
+            <a:p>
+              <a:pPr algn="ctr"/>
+              <a:endParaRPr lang="zh-CN" altLang="en-US"/>
+            </a:p>
+          </p:txBody>
+        </p:sp>
+        <p:sp>
+          <p:nvSpPr>
+            <p:cNvPr id="7" name="文本框 6"/>
+            <p:cNvSpPr txBox="1"/>
+            <p:nvPr/>
+          </p:nvSpPr>
+          <p:spPr>
+            <a:xfrm>
+              <a:off x="5426766" y="1795136"/>
+              <a:ext cx="2117034" cy="707886"/>
+            </a:xfrm>
+            <a:prstGeom prst="rect">
+              <a:avLst/>
+            </a:prstGeom>
+            <a:noFill/>
+          </p:spPr>
+          <p:txBody>
+            <a:bodyPr wrap="square" rtlCol="0">
+              <a:spAutoFit/>
+            </a:bodyPr>
+            <a:lstStyle/>
+            <a:p>
+              <a:r>
+                <a:rPr lang="en-US" altLang="zh-CN" sz="4000" dirty="0" smtClean="0">
+                  <a:solidFill>
+                    <a:schemeClr val="bg1"/>
+                  </a:solidFill>
+                  <a:latin typeface="微软雅黑" panose="020B0503020204020204" pitchFamily="34" charset="-122"/>
+                  <a:ea typeface="微软雅黑" panose="020B0503020204020204" pitchFamily="34" charset="-122"/>
+                </a:rPr>
+                <a:t>Time</a:t>
+              </a:r>
+              <a:endParaRPr lang="zh-CN" altLang="en-US" sz="4000" dirty="0">
+                <a:solidFill>
+                  <a:schemeClr val="bg1"/>
+                </a:solidFill>
+                <a:latin typeface="微软雅黑" panose="020B0503020204020204" pitchFamily="34" charset="-122"/>
+                <a:ea typeface="微软雅黑" panose="020B0503020204020204" pitchFamily="34" charset="-122"/>
+              </a:endParaRPr>
+            </a:p>
+          </p:txBody>
+        </p:sp>
+      </p:grpSp>
+      <p:grpSp>
+        <p:nvGrpSpPr>
+          <p:cNvPr id="9" name="组合 8"/>
+          <p:cNvGrpSpPr/>
+          <p:nvPr/>
+        </p:nvGrpSpPr>
+        <p:grpSpPr>
+          <a:xfrm>
+            <a:off x="2187744" y="4736543"/>
+            <a:ext cx="2584174" cy="839340"/>
+            <a:chOff x="4959626" y="1729410"/>
+            <a:chExt cx="2584174" cy="839340"/>
+          </a:xfrm>
+        </p:grpSpPr>
+        <p:sp>
+          <p:nvSpPr>
+            <p:cNvPr id="10" name="圆角矩形 9"/>
+            <p:cNvSpPr/>
+            <p:nvPr/>
+          </p:nvSpPr>
+          <p:spPr>
+            <a:xfrm>
+              <a:off x="4959626" y="1729410"/>
+              <a:ext cx="2315817" cy="839340"/>
+            </a:xfrm>
+            <a:prstGeom prst="roundRect">
+              <a:avLst/>
+            </a:prstGeom>
+            <a:solidFill>
+              <a:schemeClr val="tx1">
+                <a:lumMod val="50000"/>
+                <a:lumOff val="50000"/>
+                <a:alpha val="53000"/>
+              </a:schemeClr>
+            </a:solidFill>
+            <a:ln>
+              <a:noFill/>
+            </a:ln>
+          </p:spPr>
+          <p:style>
+            <a:lnRef idx="2">
+              <a:schemeClr val="accent1">
+                <a:shade val="50000"/>
+              </a:schemeClr>
+            </a:lnRef>
+            <a:fillRef idx="1">
+              <a:schemeClr val="accent1"/>
+            </a:fillRef>
+            <a:effectRef idx="0">
+              <a:schemeClr val="accent1"/>
+            </a:effectRef>
+            <a:fontRef idx="minor">
+              <a:schemeClr val="lt1"/>
+            </a:fontRef>
+          </p:style>
+          <p:txBody>
+            <a:bodyPr rtlCol="0" anchor="ctr"/>
+            <a:lstStyle/>
+            <a:p>
+              <a:pPr algn="ctr"/>
+              <a:endParaRPr lang="zh-CN" altLang="en-US"/>
+            </a:p>
+          </p:txBody>
+        </p:sp>
+        <p:sp>
+          <p:nvSpPr>
+            <p:cNvPr id="11" name="文本框 10"/>
+            <p:cNvSpPr txBox="1"/>
+            <p:nvPr/>
+          </p:nvSpPr>
+          <p:spPr>
+            <a:xfrm>
+              <a:off x="5426766" y="1795136"/>
+              <a:ext cx="2117034" cy="707886"/>
+            </a:xfrm>
+            <a:prstGeom prst="rect">
+              <a:avLst/>
+            </a:prstGeom>
+            <a:noFill/>
+          </p:spPr>
+          <p:txBody>
+            <a:bodyPr wrap="square" rtlCol="0">
+              <a:spAutoFit/>
+            </a:bodyPr>
+            <a:lstStyle/>
+            <a:p>
+              <a:r>
+                <a:rPr lang="en-US" altLang="zh-CN" sz="4000" dirty="0" smtClean="0">
+                  <a:solidFill>
+                    <a:schemeClr val="bg1"/>
+                  </a:solidFill>
+                  <a:latin typeface="微软雅黑" panose="020B0503020204020204" pitchFamily="34" charset="-122"/>
+                  <a:ea typeface="微软雅黑" panose="020B0503020204020204" pitchFamily="34" charset="-122"/>
+                </a:rPr>
+                <a:t>Space</a:t>
+              </a:r>
+              <a:endParaRPr lang="zh-CN" altLang="en-US" sz="4000" dirty="0">
+                <a:solidFill>
+                  <a:schemeClr val="bg1"/>
+                </a:solidFill>
+                <a:latin typeface="微软雅黑" panose="020B0503020204020204" pitchFamily="34" charset="-122"/>
+                <a:ea typeface="微软雅黑" panose="020B0503020204020204" pitchFamily="34" charset="-122"/>
+              </a:endParaRPr>
+            </a:p>
+          </p:txBody>
+        </p:sp>
+      </p:grpSp>
+      <p:grpSp>
+        <p:nvGrpSpPr>
+          <p:cNvPr id="12" name="组合 11"/>
+          <p:cNvGrpSpPr/>
+          <p:nvPr/>
+        </p:nvGrpSpPr>
+        <p:grpSpPr>
+          <a:xfrm>
+            <a:off x="3713920" y="2156469"/>
+            <a:ext cx="4886739" cy="839340"/>
+            <a:chOff x="5019259" y="1729411"/>
+            <a:chExt cx="4886739" cy="839340"/>
+          </a:xfrm>
+        </p:grpSpPr>
+        <p:sp>
+          <p:nvSpPr>
+            <p:cNvPr id="13" name="圆角矩形 12"/>
+            <p:cNvSpPr/>
+            <p:nvPr/>
+          </p:nvSpPr>
+          <p:spPr>
+            <a:xfrm>
+              <a:off x="5019259" y="1729411"/>
+              <a:ext cx="4886739" cy="839340"/>
+            </a:xfrm>
+            <a:prstGeom prst="roundRect">
+              <a:avLst/>
+            </a:prstGeom>
+            <a:solidFill>
+              <a:schemeClr val="tx1">
+                <a:lumMod val="50000"/>
+                <a:lumOff val="50000"/>
+                <a:alpha val="53000"/>
+              </a:schemeClr>
+            </a:solidFill>
+            <a:ln>
+              <a:noFill/>
+            </a:ln>
+          </p:spPr>
+          <p:style>
+            <a:lnRef idx="2">
+              <a:schemeClr val="accent1">
+                <a:shade val="50000"/>
+              </a:schemeClr>
+            </a:lnRef>
+            <a:fillRef idx="1">
+              <a:schemeClr val="accent1"/>
+            </a:fillRef>
+            <a:effectRef idx="0">
+              <a:schemeClr val="accent1"/>
+            </a:effectRef>
+            <a:fontRef idx="minor">
+              <a:schemeClr val="lt1"/>
+            </a:fontRef>
+          </p:style>
+          <p:txBody>
+            <a:bodyPr rtlCol="0" anchor="ctr"/>
+            <a:lstStyle/>
+            <a:p>
+              <a:pPr algn="ctr"/>
+              <a:endParaRPr lang="zh-CN" altLang="en-US"/>
+            </a:p>
+          </p:txBody>
+        </p:sp>
+        <p:sp>
+          <p:nvSpPr>
+            <p:cNvPr id="14" name="文本框 13"/>
+            <p:cNvSpPr txBox="1"/>
+            <p:nvPr/>
+          </p:nvSpPr>
+          <p:spPr>
+            <a:xfrm>
+              <a:off x="5426765" y="1795136"/>
+              <a:ext cx="4071729" cy="707886"/>
+            </a:xfrm>
+            <a:prstGeom prst="rect">
+              <a:avLst/>
+            </a:prstGeom>
+            <a:noFill/>
+          </p:spPr>
+          <p:txBody>
+            <a:bodyPr wrap="square" rtlCol="0">
+              <a:spAutoFit/>
+            </a:bodyPr>
+            <a:lstStyle/>
+            <a:p>
+              <a:r>
+                <a:rPr lang="en-US" altLang="zh-CN" sz="4000" dirty="0" smtClean="0">
+                  <a:solidFill>
+                    <a:schemeClr val="bg1"/>
+                  </a:solidFill>
+                  <a:latin typeface="微软雅黑" panose="020B0503020204020204" pitchFamily="34" charset="-122"/>
+                  <a:ea typeface="微软雅黑" panose="020B0503020204020204" pitchFamily="34" charset="-122"/>
+                </a:rPr>
+                <a:t>Trustworthiness</a:t>
+              </a:r>
+              <a:endParaRPr lang="zh-CN" altLang="en-US" sz="4000" dirty="0">
+                <a:solidFill>
+                  <a:schemeClr val="bg1"/>
+                </a:solidFill>
+                <a:latin typeface="微软雅黑" panose="020B0503020204020204" pitchFamily="34" charset="-122"/>
+                <a:ea typeface="微软雅黑" panose="020B0503020204020204" pitchFamily="34" charset="-122"/>
+              </a:endParaRPr>
+            </a:p>
+          </p:txBody>
+        </p:sp>
+      </p:grpSp>
+      <p:sp>
+        <p:nvSpPr>
+          <p:cNvPr id="15" name="文本框 14"/>
+          <p:cNvSpPr txBox="1"/>
+          <p:nvPr/>
+        </p:nvSpPr>
+        <p:spPr>
+          <a:xfrm>
+            <a:off x="4921525" y="1654350"/>
+            <a:ext cx="3998844" cy="369332"/>
+          </a:xfrm>
+          <a:prstGeom prst="rect">
+            <a:avLst/>
+          </a:prstGeom>
+          <a:noFill/>
+        </p:spPr>
+        <p:txBody>
+          <a:bodyPr wrap="square" rtlCol="0">
+            <a:spAutoFit/>
+          </a:bodyPr>
+          <a:lstStyle/>
+          <a:p>
+            <a:r>
+              <a:rPr lang="zh-CN" altLang="en-US" dirty="0" smtClean="0">
+                <a:solidFill>
+                  <a:schemeClr val="bg1"/>
+                </a:solidFill>
+                <a:latin typeface="微软雅黑" panose="020B0503020204020204" pitchFamily="34" charset="-122"/>
+                <a:ea typeface="微软雅黑" panose="020B0503020204020204" pitchFamily="34" charset="-122"/>
+              </a:rPr>
+              <a:t>诊断</a:t>
+            </a:r>
+            <a:r>
+              <a:rPr lang="en-US" altLang="zh-CN" dirty="0" smtClean="0">
+                <a:solidFill>
+                  <a:schemeClr val="bg1"/>
+                </a:solidFill>
+                <a:latin typeface="微软雅黑" panose="020B0503020204020204" pitchFamily="34" charset="-122"/>
+                <a:ea typeface="微软雅黑" panose="020B0503020204020204" pitchFamily="34" charset="-122"/>
+              </a:rPr>
+              <a:t>/</a:t>
+            </a:r>
+            <a:r>
+              <a:rPr lang="zh-CN" altLang="en-US" dirty="0" smtClean="0">
+                <a:solidFill>
+                  <a:schemeClr val="bg1"/>
+                </a:solidFill>
+                <a:latin typeface="微软雅黑" panose="020B0503020204020204" pitchFamily="34" charset="-122"/>
+                <a:ea typeface="微软雅黑" panose="020B0503020204020204" pitchFamily="34" charset="-122"/>
+              </a:rPr>
+              <a:t>信息采集准确率</a:t>
+            </a:r>
+            <a:endParaRPr lang="zh-CN" altLang="en-US" dirty="0">
+              <a:solidFill>
+                <a:schemeClr val="bg1"/>
+              </a:solidFill>
+              <a:latin typeface="微软雅黑" panose="020B0503020204020204" pitchFamily="34" charset="-122"/>
+              <a:ea typeface="微软雅黑" panose="020B0503020204020204" pitchFamily="34" charset="-122"/>
+            </a:endParaRPr>
+          </a:p>
+        </p:txBody>
+      </p:sp>
+      <p:sp>
+        <p:nvSpPr>
+          <p:cNvPr id="16" name="文本框 15"/>
+          <p:cNvSpPr txBox="1"/>
+          <p:nvPr/>
+        </p:nvSpPr>
+        <p:spPr>
+          <a:xfrm>
+            <a:off x="2426802" y="4301482"/>
+            <a:ext cx="3998844" cy="369332"/>
+          </a:xfrm>
+          <a:prstGeom prst="rect">
+            <a:avLst/>
+          </a:prstGeom>
+          <a:noFill/>
+        </p:spPr>
+        <p:txBody>
+          <a:bodyPr wrap="square" rtlCol="0">
+            <a:spAutoFit/>
+          </a:bodyPr>
+          <a:lstStyle/>
+          <a:p>
+            <a:r>
+              <a:rPr lang="zh-CN" altLang="en-US" dirty="0" smtClean="0">
+                <a:solidFill>
+                  <a:schemeClr val="bg1"/>
+                </a:solidFill>
+                <a:latin typeface="微软雅黑" panose="020B0503020204020204" pitchFamily="34" charset="-122"/>
+                <a:ea typeface="微软雅黑" panose="020B0503020204020204" pitchFamily="34" charset="-122"/>
+              </a:rPr>
+              <a:t>辅助诊断增益率</a:t>
+            </a:r>
+            <a:endParaRPr lang="zh-CN" altLang="en-US" dirty="0">
+              <a:solidFill>
+                <a:schemeClr val="bg1"/>
+              </a:solidFill>
+              <a:latin typeface="微软雅黑" panose="020B0503020204020204" pitchFamily="34" charset="-122"/>
+              <a:ea typeface="微软雅黑" panose="020B0503020204020204" pitchFamily="34" charset="-122"/>
+            </a:endParaRPr>
+          </a:p>
+        </p:txBody>
+      </p:sp>
+      <p:sp>
+        <p:nvSpPr>
+          <p:cNvPr id="17" name="文本框 16"/>
+          <p:cNvSpPr txBox="1"/>
+          <p:nvPr/>
+        </p:nvSpPr>
+        <p:spPr>
+          <a:xfrm>
+            <a:off x="7939709" y="4301482"/>
+            <a:ext cx="3998844" cy="369332"/>
+          </a:xfrm>
+          <a:prstGeom prst="rect">
+            <a:avLst/>
+          </a:prstGeom>
+          <a:noFill/>
+        </p:spPr>
+        <p:txBody>
+          <a:bodyPr wrap="square" rtlCol="0">
+            <a:spAutoFit/>
+          </a:bodyPr>
+          <a:lstStyle/>
+          <a:p>
+            <a:r>
+              <a:rPr lang="zh-CN" altLang="en-US" dirty="0" smtClean="0">
+                <a:solidFill>
+                  <a:schemeClr val="bg1"/>
+                </a:solidFill>
+                <a:latin typeface="微软雅黑" panose="020B0503020204020204" pitchFamily="34" charset="-122"/>
+                <a:ea typeface="微软雅黑" panose="020B0503020204020204" pitchFamily="34" charset="-122"/>
+              </a:rPr>
+              <a:t>辅助诊断平均时间</a:t>
+            </a:r>
+            <a:endParaRPr lang="zh-CN" altLang="en-US" dirty="0">
+              <a:solidFill>
+                <a:schemeClr val="bg1"/>
+              </a:solidFill>
+              <a:latin typeface="微软雅黑" panose="020B0503020204020204" pitchFamily="34" charset="-122"/>
+              <a:ea typeface="微软雅黑" panose="020B0503020204020204" pitchFamily="34" charset="-122"/>
+            </a:endParaRPr>
+          </a:p>
+        </p:txBody>
+      </p:sp>
+    </p:spTree>
+    <p:extLst>
+      <p:ext uri="{BB962C8B-B14F-4D97-AF65-F5344CB8AC3E}">
+        <p14:creationId xmlns:p14="http://schemas.microsoft.com/office/powerpoint/2010/main" val="1407821695"/>
+      </p:ext>
+    </p:extLst>
+  </p:cSld>
+  <p:clrMapOvr>
+    <a:masterClrMapping/>
+  </p:clrMapOvr>
+  <p:timing>
+    <p:tnLst>
+      <p:par>
+        <p:cTn id="1" dur="indefinite" restart="never" nodeType="tmRoot"/>
+      </p:par>
+    </p:tnLst>
+  </p:timing>
+</p:sld>
+</file>
+
+<file path=ppt/slides/slide5.xml><?xml version="1.0" encoding="utf-8"?>
+<p:sld xmlns:a="http://schemas.openxmlformats.org/drawingml/2006/main" xmlns:r="http://schemas.openxmlformats.org/officeDocument/2006/relationships" xmlns:p="http://schemas.openxmlformats.org/presentationml/2006/main">
+  <p:cSld>
+    <p:spTree>
+      <p:nvGrpSpPr>
+        <p:cNvPr id="1" name=""/>
+        <p:cNvGrpSpPr/>
+        <p:nvPr/>
+      </p:nvGrpSpPr>
+      <p:grpSpPr>
+        <a:xfrm>
+          <a:off x="0" y="0"/>
+          <a:ext cx="0" cy="0"/>
+          <a:chOff x="0" y="0"/>
+          <a:chExt cx="0" cy="0"/>
+        </a:xfrm>
+      </p:grpSpPr>
       <p:pic>
         <p:nvPicPr>
           <p:cNvPr id="2" name="图片 1"/>
@@ -6478,11 +8180,6 @@
               </a:rPr>
               <a:t>年医疗人工智能产业图谱</a:t>
             </a:r>
-            <a:endParaRPr lang="zh-CN" altLang="en-US" dirty="0">
-              <a:solidFill>
-                <a:schemeClr val="bg1"/>
-              </a:solidFill>
-            </a:endParaRPr>
           </a:p>
         </p:txBody>
       </p:sp>
@@ -7080,7 +8777,7 @@
 </p:sld>
 </file>
 
-<file path=ppt/slides/slide5.xml><?xml version="1.0" encoding="utf-8"?>
+<file path=ppt/slides/slide6.xml><?xml version="1.0" encoding="utf-8"?>
 <p:sld xmlns:a="http://schemas.openxmlformats.org/drawingml/2006/main" xmlns:r="http://schemas.openxmlformats.org/officeDocument/2006/relationships" xmlns:p="http://schemas.openxmlformats.org/presentationml/2006/main">
   <p:cSld>
     <p:spTree>
@@ -8267,13 +9964,6 @@
               </a:rPr>
               <a:t>“十三五”规划</a:t>
             </a:r>
-            <a:endParaRPr lang="zh-CN" altLang="en-US" dirty="0">
-              <a:solidFill>
-                <a:schemeClr val="bg1"/>
-              </a:solidFill>
-              <a:latin typeface="微软雅黑" panose="020B0503020204020204" pitchFamily="34" charset="-122"/>
-              <a:ea typeface="微软雅黑" panose="020B0503020204020204" pitchFamily="34" charset="-122"/>
-            </a:endParaRPr>
           </a:p>
         </p:txBody>
       </p:sp>
@@ -8588,13 +10278,6 @@
               </a:rPr>
               <a:t>里云</a:t>
             </a:r>
-            <a:endParaRPr lang="zh-CN" altLang="en-US" dirty="0">
-              <a:solidFill>
-                <a:schemeClr val="bg1"/>
-              </a:solidFill>
-              <a:latin typeface="微软雅黑" panose="020B0503020204020204" pitchFamily="34" charset="-122"/>
-              <a:ea typeface="微软雅黑" panose="020B0503020204020204" pitchFamily="34" charset="-122"/>
-            </a:endParaRPr>
           </a:p>
         </p:txBody>
       </p:sp>
@@ -8847,7 +10530,7 @@
 </p:sld>
 </file>
 
-<file path=ppt/slides/slide6.xml><?xml version="1.0" encoding="utf-8"?>
+<file path=ppt/slides/slide7.xml><?xml version="1.0" encoding="utf-8"?>
 <p:sld xmlns:a="http://schemas.openxmlformats.org/drawingml/2006/main" xmlns:r="http://schemas.openxmlformats.org/officeDocument/2006/relationships" xmlns:p="http://schemas.openxmlformats.org/presentationml/2006/main">
   <p:cSld>
     <p:spTree>
@@ -9016,13 +10699,6 @@
               </a:rPr>
               <a:t>左右。</a:t>
             </a:r>
-            <a:endParaRPr lang="zh-CN" altLang="en-US" sz="2400" dirty="0">
-              <a:solidFill>
-                <a:schemeClr val="bg1"/>
-              </a:solidFill>
-              <a:latin typeface="微软雅黑" panose="020B0503020204020204" pitchFamily="34" charset="-122"/>
-              <a:ea typeface="微软雅黑" panose="020B0503020204020204" pitchFamily="34" charset="-122"/>
-            </a:endParaRPr>
           </a:p>
         </p:txBody>
       </p:sp>
@@ -9456,7 +11132,7 @@
 </p:sld>
 </file>
 
-<file path=ppt/slides/slide7.xml><?xml version="1.0" encoding="utf-8"?>
+<file path=ppt/slides/slide8.xml><?xml version="1.0" encoding="utf-8"?>
 <p:sld xmlns:a="http://schemas.openxmlformats.org/drawingml/2006/main" xmlns:r="http://schemas.openxmlformats.org/officeDocument/2006/relationships" xmlns:p="http://schemas.openxmlformats.org/presentationml/2006/main">
   <p:cSld>
     <p:spTree>
@@ -10017,13 +11693,6 @@
               </a:rPr>
               <a:t>亿元。</a:t>
             </a:r>
-            <a:endParaRPr lang="zh-CN" altLang="en-US" sz="2000" b="1" dirty="0">
-              <a:solidFill>
-                <a:schemeClr val="bg1"/>
-              </a:solidFill>
-              <a:latin typeface="微软雅黑" panose="020B0503020204020204" pitchFamily="34" charset="-122"/>
-              <a:ea typeface="微软雅黑" panose="020B0503020204020204" pitchFamily="34" charset="-122"/>
-            </a:endParaRPr>
           </a:p>
         </p:txBody>
       </p:sp>
@@ -10568,7 +12237,7 @@
 </p:sld>
 </file>
 
-<file path=ppt/slides/slide8.xml><?xml version="1.0" encoding="utf-8"?>
+<file path=ppt/slides/slide9.xml><?xml version="1.0" encoding="utf-8"?>
 <p:sld xmlns:a="http://schemas.openxmlformats.org/drawingml/2006/main" xmlns:r="http://schemas.openxmlformats.org/officeDocument/2006/relationships" xmlns:p="http://schemas.openxmlformats.org/presentationml/2006/main">
   <p:cSld>
     <p:spTree>
@@ -11070,1063 +12739,6 @@
     <p:extLst>
       <p:ext uri="{BB962C8B-B14F-4D97-AF65-F5344CB8AC3E}">
         <p14:creationId xmlns:p14="http://schemas.microsoft.com/office/powerpoint/2010/main" val="318713427"/>
-      </p:ext>
-    </p:extLst>
-  </p:cSld>
-  <p:clrMapOvr>
-    <a:masterClrMapping/>
-  </p:clrMapOvr>
-  <p:timing>
-    <p:tnLst>
-      <p:par>
-        <p:cTn id="1" dur="indefinite" restart="never" nodeType="tmRoot"/>
-      </p:par>
-    </p:tnLst>
-  </p:timing>
-</p:sld>
-</file>
-
-<file path=ppt/slides/slide9.xml><?xml version="1.0" encoding="utf-8"?>
-<p:sld xmlns:a="http://schemas.openxmlformats.org/drawingml/2006/main" xmlns:r="http://schemas.openxmlformats.org/officeDocument/2006/relationships" xmlns:p="http://schemas.openxmlformats.org/presentationml/2006/main">
-  <p:cSld>
-    <p:spTree>
-      <p:nvGrpSpPr>
-        <p:cNvPr id="1" name=""/>
-        <p:cNvGrpSpPr/>
-        <p:nvPr/>
-      </p:nvGrpSpPr>
-      <p:grpSpPr>
-        <a:xfrm>
-          <a:off x="0" y="0"/>
-          <a:ext cx="0" cy="0"/>
-          <a:chOff x="0" y="0"/>
-          <a:chExt cx="0" cy="0"/>
-        </a:xfrm>
-      </p:grpSpPr>
-      <p:sp>
-        <p:nvSpPr>
-          <p:cNvPr id="2" name="文本框 1"/>
-          <p:cNvSpPr txBox="1"/>
-          <p:nvPr/>
-        </p:nvSpPr>
-        <p:spPr>
-          <a:xfrm>
-            <a:off x="631767" y="423949"/>
-            <a:ext cx="2975957" cy="646331"/>
-          </a:xfrm>
-          <a:prstGeom prst="rect">
-            <a:avLst/>
-          </a:prstGeom>
-          <a:noFill/>
-        </p:spPr>
-        <p:txBody>
-          <a:bodyPr wrap="square" rtlCol="0">
-            <a:spAutoFit/>
-          </a:bodyPr>
-          <a:lstStyle/>
-          <a:p>
-            <a:r>
-              <a:rPr lang="en-US" altLang="zh-CN" sz="3600" dirty="0" smtClean="0">
-                <a:solidFill>
-                  <a:schemeClr val="bg1"/>
-                </a:solidFill>
-                <a:latin typeface="微软雅黑" panose="020B0503020204020204" pitchFamily="34" charset="-122"/>
-                <a:ea typeface="微软雅黑" panose="020B0503020204020204" pitchFamily="34" charset="-122"/>
-              </a:rPr>
-              <a:t>References</a:t>
-            </a:r>
-            <a:endParaRPr lang="zh-CN" altLang="en-US" sz="3600" dirty="0">
-              <a:solidFill>
-                <a:schemeClr val="bg1"/>
-              </a:solidFill>
-              <a:latin typeface="微软雅黑" panose="020B0503020204020204" pitchFamily="34" charset="-122"/>
-              <a:ea typeface="微软雅黑" panose="020B0503020204020204" pitchFamily="34" charset="-122"/>
-            </a:endParaRPr>
-          </a:p>
-        </p:txBody>
-      </p:sp>
-      <p:sp>
-        <p:nvSpPr>
-          <p:cNvPr id="3" name="文本框 2"/>
-          <p:cNvSpPr txBox="1"/>
-          <p:nvPr/>
-        </p:nvSpPr>
-        <p:spPr>
-          <a:xfrm>
-            <a:off x="1521229" y="887400"/>
-            <a:ext cx="9368444" cy="5816977"/>
-          </a:xfrm>
-          <a:prstGeom prst="rect">
-            <a:avLst/>
-          </a:prstGeom>
-          <a:noFill/>
-        </p:spPr>
-        <p:txBody>
-          <a:bodyPr wrap="square" rtlCol="0">
-            <a:spAutoFit/>
-          </a:bodyPr>
-          <a:lstStyle/>
-          <a:p>
-            <a:pPr marL="171450" indent="-171450">
-              <a:buFont typeface="Wingdings" panose="05000000000000000000" pitchFamily="2" charset="2"/>
-              <a:buChar char="l"/>
-            </a:pPr>
-            <a:endParaRPr lang="en-US" altLang="zh-CN" sz="1200" dirty="0" smtClean="0">
-              <a:solidFill>
-                <a:schemeClr val="bg1"/>
-              </a:solidFill>
-            </a:endParaRPr>
-          </a:p>
-          <a:p>
-            <a:pPr marL="171450" indent="-171450">
-              <a:buFont typeface="Wingdings" panose="05000000000000000000" pitchFamily="2" charset="2"/>
-              <a:buChar char="l"/>
-            </a:pPr>
-            <a:endParaRPr lang="en-US" altLang="zh-CN" sz="1200" dirty="0">
-              <a:solidFill>
-                <a:schemeClr val="bg1"/>
-              </a:solidFill>
-            </a:endParaRPr>
-          </a:p>
-          <a:p>
-            <a:pPr marL="171450" indent="-171450">
-              <a:buFont typeface="Wingdings" panose="05000000000000000000" pitchFamily="2" charset="2"/>
-              <a:buChar char="l"/>
-            </a:pPr>
-            <a:endParaRPr lang="en-US" altLang="zh-CN" sz="1200" dirty="0" smtClean="0">
-              <a:solidFill>
-                <a:schemeClr val="bg1"/>
-              </a:solidFill>
-            </a:endParaRPr>
-          </a:p>
-          <a:p>
-            <a:pPr marL="171450" indent="-171450">
-              <a:buFont typeface="Wingdings" panose="05000000000000000000" pitchFamily="2" charset="2"/>
-              <a:buChar char="l"/>
-            </a:pPr>
-            <a:r>
-              <a:rPr lang="en-US" altLang="zh-CN" sz="1200" dirty="0">
-                <a:solidFill>
-                  <a:schemeClr val="bg1"/>
-                </a:solidFill>
-              </a:rPr>
-              <a:t>《</a:t>
-            </a:r>
-            <a:r>
-              <a:rPr lang="zh-CN" altLang="en-US" sz="1200" dirty="0">
-                <a:solidFill>
-                  <a:schemeClr val="bg1"/>
-                </a:solidFill>
-              </a:rPr>
-              <a:t>互联网</a:t>
-            </a:r>
-            <a:r>
-              <a:rPr lang="en-US" altLang="zh-CN" sz="1200" dirty="0">
-                <a:solidFill>
-                  <a:schemeClr val="bg1"/>
-                </a:solidFill>
-              </a:rPr>
-              <a:t>+</a:t>
-            </a:r>
-            <a:r>
-              <a:rPr lang="zh-CN" altLang="en-US" sz="1200" dirty="0">
-                <a:solidFill>
-                  <a:schemeClr val="bg1"/>
-                </a:solidFill>
-              </a:rPr>
-              <a:t>人工智能三年行动实施方案</a:t>
-            </a:r>
-            <a:r>
-              <a:rPr lang="en-US" altLang="zh-CN" sz="1200" dirty="0">
-                <a:solidFill>
-                  <a:schemeClr val="bg1"/>
-                </a:solidFill>
-              </a:rPr>
-              <a:t>》</a:t>
-            </a:r>
-          </a:p>
-          <a:p>
-            <a:pPr marL="171450" indent="-171450">
-              <a:buFont typeface="Wingdings" panose="05000000000000000000" pitchFamily="2" charset="2"/>
-              <a:buChar char="l"/>
-            </a:pPr>
-            <a:endParaRPr lang="en-US" altLang="zh-CN" sz="1200" dirty="0">
-              <a:solidFill>
-                <a:schemeClr val="bg1"/>
-              </a:solidFill>
-            </a:endParaRPr>
-          </a:p>
-          <a:p>
-            <a:pPr marL="171450" indent="-171450">
-              <a:buFont typeface="Wingdings" panose="05000000000000000000" pitchFamily="2" charset="2"/>
-              <a:buChar char="l"/>
-            </a:pPr>
-            <a:r>
-              <a:rPr lang="en-US" altLang="zh-CN" sz="1200" dirty="0" smtClean="0">
-                <a:solidFill>
-                  <a:schemeClr val="bg1"/>
-                </a:solidFill>
-              </a:rPr>
-              <a:t>《</a:t>
-            </a:r>
-            <a:r>
-              <a:rPr lang="zh-CN" altLang="en-US" sz="1200" dirty="0">
-                <a:solidFill>
-                  <a:schemeClr val="bg1"/>
-                </a:solidFill>
-              </a:rPr>
-              <a:t>关于新一代人工智能发展规划</a:t>
-            </a:r>
-            <a:r>
-              <a:rPr lang="en-US" altLang="zh-CN" sz="1200" dirty="0">
-                <a:solidFill>
-                  <a:schemeClr val="bg1"/>
-                </a:solidFill>
-              </a:rPr>
-              <a:t>》</a:t>
-            </a:r>
-          </a:p>
-          <a:p>
-            <a:pPr marL="171450" indent="-171450">
-              <a:buFont typeface="Wingdings" panose="05000000000000000000" pitchFamily="2" charset="2"/>
-              <a:buChar char="l"/>
-            </a:pPr>
-            <a:endParaRPr lang="en-US" altLang="zh-CN" sz="1200" dirty="0">
-              <a:solidFill>
-                <a:schemeClr val="bg1"/>
-              </a:solidFill>
-            </a:endParaRPr>
-          </a:p>
-          <a:p>
-            <a:pPr marL="171450" indent="-171450">
-              <a:buFont typeface="Wingdings" panose="05000000000000000000" pitchFamily="2" charset="2"/>
-              <a:buChar char="l"/>
-            </a:pPr>
-            <a:r>
-              <a:rPr lang="zh-CN" altLang="en-US" sz="1200" dirty="0">
-                <a:solidFill>
-                  <a:schemeClr val="bg1"/>
-                </a:solidFill>
-              </a:rPr>
-              <a:t>人工智能辅助诊断技术管理规范（</a:t>
-            </a:r>
-            <a:r>
-              <a:rPr lang="en-US" altLang="zh-CN" sz="1200" dirty="0">
-                <a:solidFill>
-                  <a:schemeClr val="bg1"/>
-                </a:solidFill>
-              </a:rPr>
-              <a:t>2017</a:t>
-            </a:r>
-            <a:r>
-              <a:rPr lang="zh-CN" altLang="en-US" sz="1200" dirty="0">
-                <a:solidFill>
-                  <a:schemeClr val="bg1"/>
-                </a:solidFill>
-              </a:rPr>
-              <a:t>年版）</a:t>
-            </a:r>
-            <a:endParaRPr lang="en-US" altLang="zh-CN" sz="1200" dirty="0">
-              <a:solidFill>
-                <a:schemeClr val="bg1"/>
-              </a:solidFill>
-            </a:endParaRPr>
-          </a:p>
-          <a:p>
-            <a:pPr marL="171450" indent="-171450">
-              <a:buFont typeface="Wingdings" panose="05000000000000000000" pitchFamily="2" charset="2"/>
-              <a:buChar char="l"/>
-            </a:pPr>
-            <a:endParaRPr lang="zh-CN" altLang="en-US" sz="1200" dirty="0">
-              <a:solidFill>
-                <a:schemeClr val="bg1"/>
-              </a:solidFill>
-            </a:endParaRPr>
-          </a:p>
-          <a:p>
-            <a:pPr marL="171450" indent="-171450">
-              <a:buFont typeface="Wingdings" panose="05000000000000000000" pitchFamily="2" charset="2"/>
-              <a:buChar char="l"/>
-            </a:pPr>
-            <a:r>
-              <a:rPr lang="zh-CN" altLang="en-US" sz="1200" dirty="0">
-                <a:solidFill>
-                  <a:schemeClr val="bg1"/>
-                </a:solidFill>
-              </a:rPr>
-              <a:t>人工智能辅助诊断技术临床应用质量控制指标（</a:t>
-            </a:r>
-            <a:r>
-              <a:rPr lang="en-US" altLang="zh-CN" sz="1200" dirty="0">
-                <a:solidFill>
-                  <a:schemeClr val="bg1"/>
-                </a:solidFill>
-              </a:rPr>
-              <a:t>2017</a:t>
-            </a:r>
-            <a:r>
-              <a:rPr lang="zh-CN" altLang="en-US" sz="1200" dirty="0">
-                <a:solidFill>
-                  <a:schemeClr val="bg1"/>
-                </a:solidFill>
-              </a:rPr>
-              <a:t>年版）</a:t>
-            </a:r>
-            <a:endParaRPr lang="en-US" altLang="zh-CN" sz="1200" dirty="0">
-              <a:solidFill>
-                <a:schemeClr val="bg1"/>
-              </a:solidFill>
-            </a:endParaRPr>
-          </a:p>
-          <a:p>
-            <a:pPr marL="171450" indent="-171450">
-              <a:buFont typeface="Wingdings" panose="05000000000000000000" pitchFamily="2" charset="2"/>
-              <a:buChar char="l"/>
-            </a:pPr>
-            <a:endParaRPr lang="en-US" altLang="zh-CN" sz="1200" dirty="0">
-              <a:solidFill>
-                <a:schemeClr val="bg1"/>
-              </a:solidFill>
-            </a:endParaRPr>
-          </a:p>
-          <a:p>
-            <a:pPr marL="171450" indent="-171450">
-              <a:buFont typeface="Wingdings" panose="05000000000000000000" pitchFamily="2" charset="2"/>
-              <a:buChar char="l"/>
-            </a:pPr>
-            <a:r>
-              <a:rPr lang="zh-CN" altLang="en-US" sz="1200" dirty="0" smtClean="0">
-                <a:solidFill>
-                  <a:schemeClr val="bg1"/>
-                </a:solidFill>
-              </a:rPr>
-              <a:t>人工智能</a:t>
-            </a:r>
-            <a:r>
-              <a:rPr lang="zh-CN" altLang="en-US" sz="1200" dirty="0">
-                <a:solidFill>
-                  <a:schemeClr val="bg1"/>
-                </a:solidFill>
-              </a:rPr>
-              <a:t>（</a:t>
-            </a:r>
-            <a:r>
-              <a:rPr lang="en-US" altLang="zh-CN" sz="1200" dirty="0">
-                <a:solidFill>
-                  <a:schemeClr val="bg1"/>
-                </a:solidFill>
-              </a:rPr>
-              <a:t>AI</a:t>
-            </a:r>
-            <a:r>
-              <a:rPr lang="zh-CN" altLang="en-US" sz="1200" dirty="0">
-                <a:solidFill>
-                  <a:schemeClr val="bg1"/>
-                </a:solidFill>
-              </a:rPr>
-              <a:t>）医疗市场遍地黄金未来商机上看百亿</a:t>
-            </a:r>
-            <a:r>
-              <a:rPr lang="zh-CN" altLang="en-US" sz="1200" dirty="0" smtClean="0">
-                <a:solidFill>
-                  <a:schemeClr val="bg1"/>
-                </a:solidFill>
-              </a:rPr>
-              <a:t>美金</a:t>
-            </a:r>
-            <a:endParaRPr lang="en-US" altLang="zh-CN" sz="1200" dirty="0">
-              <a:solidFill>
-                <a:schemeClr val="bg1"/>
-              </a:solidFill>
-            </a:endParaRPr>
-          </a:p>
-          <a:p>
-            <a:pPr marL="171450" indent="-171450">
-              <a:buFont typeface="Wingdings" panose="05000000000000000000" pitchFamily="2" charset="2"/>
-              <a:buChar char="l"/>
-            </a:pPr>
-            <a:endParaRPr lang="en-US" altLang="zh-CN" sz="1200" dirty="0" smtClean="0">
-              <a:solidFill>
-                <a:schemeClr val="bg1"/>
-              </a:solidFill>
-            </a:endParaRPr>
-          </a:p>
-          <a:p>
-            <a:pPr marL="171450" indent="-171450">
-              <a:buFont typeface="Wingdings" panose="05000000000000000000" pitchFamily="2" charset="2"/>
-              <a:buChar char="l"/>
-            </a:pPr>
-            <a:r>
-              <a:rPr lang="en-US" altLang="zh-CN" sz="1200" dirty="0" smtClean="0">
-                <a:solidFill>
-                  <a:schemeClr val="bg1"/>
-                </a:solidFill>
-              </a:rPr>
-              <a:t>2016-2017</a:t>
-            </a:r>
-            <a:r>
-              <a:rPr lang="zh-CN" altLang="en-US" sz="1200" dirty="0">
-                <a:solidFill>
-                  <a:schemeClr val="bg1"/>
-                </a:solidFill>
-              </a:rPr>
-              <a:t>年度人工智能</a:t>
-            </a:r>
-            <a:r>
-              <a:rPr lang="en-US" altLang="zh-CN" sz="1200" dirty="0">
-                <a:solidFill>
-                  <a:schemeClr val="bg1"/>
-                </a:solidFill>
-              </a:rPr>
-              <a:t>+</a:t>
-            </a:r>
-            <a:r>
-              <a:rPr lang="zh-CN" altLang="en-US" sz="1200" dirty="0">
-                <a:solidFill>
-                  <a:schemeClr val="bg1"/>
-                </a:solidFill>
-              </a:rPr>
-              <a:t>医疗市场分析及趋势</a:t>
-            </a:r>
-            <a:r>
-              <a:rPr lang="zh-CN" altLang="en-US" sz="1200" dirty="0" smtClean="0">
-                <a:solidFill>
-                  <a:schemeClr val="bg1"/>
-                </a:solidFill>
-              </a:rPr>
-              <a:t>报告</a:t>
-            </a:r>
-            <a:endParaRPr lang="en-US" altLang="zh-CN" sz="1200" dirty="0" smtClean="0">
-              <a:solidFill>
-                <a:schemeClr val="bg1"/>
-              </a:solidFill>
-            </a:endParaRPr>
-          </a:p>
-          <a:p>
-            <a:pPr marL="171450" indent="-171450">
-              <a:buFont typeface="Wingdings" panose="05000000000000000000" pitchFamily="2" charset="2"/>
-              <a:buChar char="l"/>
-            </a:pPr>
-            <a:endParaRPr lang="en-US" altLang="zh-CN" sz="1200" dirty="0">
-              <a:solidFill>
-                <a:schemeClr val="bg1"/>
-              </a:solidFill>
-            </a:endParaRPr>
-          </a:p>
-          <a:p>
-            <a:pPr marL="171450" indent="-171450">
-              <a:buFont typeface="Wingdings" panose="05000000000000000000" pitchFamily="2" charset="2"/>
-              <a:buChar char="l"/>
-            </a:pPr>
-            <a:r>
-              <a:rPr lang="en-US" altLang="zh-CN" sz="1200" dirty="0" smtClean="0">
-                <a:solidFill>
-                  <a:schemeClr val="bg1"/>
-                </a:solidFill>
-              </a:rPr>
-              <a:t>2017</a:t>
-            </a:r>
-            <a:r>
-              <a:rPr lang="zh-CN" altLang="en-US" sz="1200" dirty="0">
-                <a:solidFill>
-                  <a:schemeClr val="bg1"/>
-                </a:solidFill>
-              </a:rPr>
-              <a:t>年医疗人工智能产业</a:t>
-            </a:r>
-            <a:r>
-              <a:rPr lang="zh-CN" altLang="en-US" sz="1200" dirty="0" smtClean="0">
-                <a:solidFill>
-                  <a:schemeClr val="bg1"/>
-                </a:solidFill>
-              </a:rPr>
-              <a:t>图谱</a:t>
-            </a:r>
-            <a:endParaRPr lang="en-US" altLang="zh-CN" sz="1200" dirty="0" smtClean="0">
-              <a:solidFill>
-                <a:schemeClr val="bg1"/>
-              </a:solidFill>
-            </a:endParaRPr>
-          </a:p>
-          <a:p>
-            <a:pPr marL="171450" indent="-171450">
-              <a:buFont typeface="Wingdings" panose="05000000000000000000" pitchFamily="2" charset="2"/>
-              <a:buChar char="l"/>
-            </a:pPr>
-            <a:endParaRPr lang="en-US" altLang="zh-CN" sz="1200" dirty="0">
-              <a:solidFill>
-                <a:schemeClr val="bg1"/>
-              </a:solidFill>
-            </a:endParaRPr>
-          </a:p>
-          <a:p>
-            <a:pPr marL="171450" indent="-171450">
-              <a:buFont typeface="Wingdings" panose="05000000000000000000" pitchFamily="2" charset="2"/>
-              <a:buChar char="l"/>
-            </a:pPr>
-            <a:r>
-              <a:rPr lang="en-US" altLang="zh-CN" sz="1200" dirty="0" smtClean="0">
-                <a:solidFill>
-                  <a:schemeClr val="bg1"/>
-                </a:solidFill>
-              </a:rPr>
-              <a:t>AI</a:t>
-            </a:r>
-            <a:r>
-              <a:rPr lang="zh-CN" altLang="en-US" sz="1200" dirty="0">
-                <a:solidFill>
-                  <a:schemeClr val="bg1"/>
-                </a:solidFill>
-              </a:rPr>
-              <a:t>商业化“二次革命”的产业落地</a:t>
-            </a:r>
-            <a:r>
-              <a:rPr lang="en-US" altLang="zh-CN" sz="1200" dirty="0">
-                <a:solidFill>
-                  <a:schemeClr val="bg1"/>
-                </a:solidFill>
-              </a:rPr>
-              <a:t>—</a:t>
-            </a:r>
-            <a:r>
-              <a:rPr lang="zh-CN" altLang="en-US" sz="1200" dirty="0">
-                <a:solidFill>
-                  <a:schemeClr val="bg1"/>
-                </a:solidFill>
-              </a:rPr>
-              <a:t>中国</a:t>
-            </a:r>
-            <a:r>
-              <a:rPr lang="en-US" altLang="zh-CN" sz="1200" dirty="0">
-                <a:solidFill>
-                  <a:schemeClr val="bg1"/>
-                </a:solidFill>
-              </a:rPr>
-              <a:t>AI</a:t>
-            </a:r>
-            <a:r>
-              <a:rPr lang="zh-CN" altLang="en-US" sz="1200" dirty="0">
-                <a:solidFill>
-                  <a:schemeClr val="bg1"/>
-                </a:solidFill>
-              </a:rPr>
-              <a:t>投资市场研究</a:t>
-            </a:r>
-            <a:r>
-              <a:rPr lang="zh-CN" altLang="en-US" sz="1200" dirty="0" smtClean="0">
-                <a:solidFill>
-                  <a:schemeClr val="bg1"/>
-                </a:solidFill>
-              </a:rPr>
-              <a:t>报告</a:t>
-            </a:r>
-            <a:endParaRPr lang="en-US" altLang="zh-CN" sz="1200" dirty="0" smtClean="0">
-              <a:solidFill>
-                <a:schemeClr val="bg1"/>
-              </a:solidFill>
-            </a:endParaRPr>
-          </a:p>
-          <a:p>
-            <a:pPr marL="171450" indent="-171450">
-              <a:buFont typeface="Wingdings" panose="05000000000000000000" pitchFamily="2" charset="2"/>
-              <a:buChar char="l"/>
-            </a:pPr>
-            <a:endParaRPr lang="en-US" altLang="zh-CN" sz="1200" dirty="0" smtClean="0">
-              <a:solidFill>
-                <a:schemeClr val="bg1"/>
-              </a:solidFill>
-            </a:endParaRPr>
-          </a:p>
-          <a:p>
-            <a:pPr marL="171450" indent="-171450">
-              <a:buFont typeface="Wingdings" panose="05000000000000000000" pitchFamily="2" charset="2"/>
-              <a:buChar char="l"/>
-            </a:pPr>
-            <a:r>
-              <a:rPr lang="zh-CN" altLang="zh-CN" sz="1200" dirty="0" smtClean="0">
-                <a:solidFill>
-                  <a:schemeClr val="bg1"/>
-                </a:solidFill>
-              </a:rPr>
-              <a:t>高</a:t>
-            </a:r>
-            <a:r>
-              <a:rPr lang="zh-CN" altLang="zh-CN" sz="1200" dirty="0">
-                <a:solidFill>
-                  <a:schemeClr val="bg1"/>
-                </a:solidFill>
-              </a:rPr>
-              <a:t>特佳汤衡：人工智能</a:t>
-            </a:r>
-            <a:r>
-              <a:rPr lang="en-US" altLang="zh-CN" sz="1200" dirty="0">
-                <a:solidFill>
-                  <a:schemeClr val="bg1"/>
-                </a:solidFill>
-              </a:rPr>
-              <a:t>+</a:t>
-            </a:r>
-            <a:r>
-              <a:rPr lang="zh-CN" altLang="zh-CN" sz="1200" dirty="0">
-                <a:solidFill>
-                  <a:schemeClr val="bg1"/>
-                </a:solidFill>
-              </a:rPr>
-              <a:t>医疗的</a:t>
-            </a:r>
-            <a:r>
-              <a:rPr lang="en-US" altLang="zh-CN" sz="1200" dirty="0">
-                <a:solidFill>
-                  <a:schemeClr val="bg1"/>
-                </a:solidFill>
-              </a:rPr>
-              <a:t>2700</a:t>
-            </a:r>
-            <a:r>
-              <a:rPr lang="zh-CN" altLang="zh-CN" sz="1200" dirty="0">
-                <a:solidFill>
-                  <a:schemeClr val="bg1"/>
-                </a:solidFill>
-              </a:rPr>
-              <a:t>亿市场分析</a:t>
-            </a:r>
-            <a:r>
-              <a:rPr lang="en-US" altLang="zh-CN" sz="1200" dirty="0">
-                <a:solidFill>
-                  <a:schemeClr val="bg1"/>
-                </a:solidFill>
-              </a:rPr>
-              <a:t> - </a:t>
-            </a:r>
-            <a:r>
-              <a:rPr lang="zh-CN" altLang="zh-CN" sz="1200" dirty="0">
-                <a:solidFill>
-                  <a:schemeClr val="bg1"/>
-                </a:solidFill>
-              </a:rPr>
-              <a:t>产经要闻</a:t>
-            </a:r>
-            <a:r>
-              <a:rPr lang="en-US" altLang="zh-CN" sz="1200" dirty="0">
-                <a:solidFill>
-                  <a:schemeClr val="bg1"/>
-                </a:solidFill>
-              </a:rPr>
-              <a:t> - </a:t>
-            </a:r>
-            <a:r>
-              <a:rPr lang="zh-CN" altLang="zh-CN" sz="1200" dirty="0">
-                <a:solidFill>
-                  <a:schemeClr val="bg1"/>
-                </a:solidFill>
-              </a:rPr>
-              <a:t>科技</a:t>
-            </a:r>
-            <a:r>
-              <a:rPr lang="zh-CN" altLang="zh-CN" sz="1200" dirty="0" smtClean="0">
-                <a:solidFill>
-                  <a:schemeClr val="bg1"/>
-                </a:solidFill>
-              </a:rPr>
-              <a:t>讯</a:t>
-            </a:r>
-            <a:endParaRPr lang="en-US" altLang="zh-CN" sz="1200" dirty="0" smtClean="0">
-              <a:solidFill>
-                <a:schemeClr val="bg1"/>
-              </a:solidFill>
-            </a:endParaRPr>
-          </a:p>
-          <a:p>
-            <a:pPr marL="171450" indent="-171450">
-              <a:buFont typeface="Wingdings" panose="05000000000000000000" pitchFamily="2" charset="2"/>
-              <a:buChar char="l"/>
-            </a:pPr>
-            <a:endParaRPr lang="zh-CN" altLang="zh-CN" sz="1200" dirty="0">
-              <a:solidFill>
-                <a:schemeClr val="bg1"/>
-              </a:solidFill>
-            </a:endParaRPr>
-          </a:p>
-          <a:p>
-            <a:pPr marL="171450" indent="-171450">
-              <a:buFont typeface="Wingdings" panose="05000000000000000000" pitchFamily="2" charset="2"/>
-              <a:buChar char="l"/>
-            </a:pPr>
-            <a:r>
-              <a:rPr lang="zh-CN" altLang="zh-CN" sz="1200" dirty="0" smtClean="0">
-                <a:solidFill>
-                  <a:schemeClr val="bg1"/>
-                </a:solidFill>
-              </a:rPr>
-              <a:t>医疗</a:t>
-            </a:r>
-            <a:r>
-              <a:rPr lang="zh-CN" altLang="zh-CN" sz="1200" dirty="0">
-                <a:solidFill>
-                  <a:schemeClr val="bg1"/>
-                </a:solidFill>
-              </a:rPr>
-              <a:t>人工智能：长期看好，得商业模式者得</a:t>
-            </a:r>
-            <a:r>
-              <a:rPr lang="zh-CN" altLang="zh-CN" sz="1200" dirty="0" smtClean="0">
-                <a:solidFill>
-                  <a:schemeClr val="bg1"/>
-                </a:solidFill>
-              </a:rPr>
-              <a:t>天下</a:t>
-            </a:r>
-            <a:endParaRPr lang="en-US" altLang="zh-CN" sz="1200" dirty="0" smtClean="0">
-              <a:solidFill>
-                <a:schemeClr val="bg1"/>
-              </a:solidFill>
-            </a:endParaRPr>
-          </a:p>
-          <a:p>
-            <a:pPr marL="171450" indent="-171450">
-              <a:buFont typeface="Wingdings" panose="05000000000000000000" pitchFamily="2" charset="2"/>
-              <a:buChar char="l"/>
-            </a:pPr>
-            <a:endParaRPr lang="en-US" altLang="zh-CN" sz="1200" dirty="0" smtClean="0">
-              <a:solidFill>
-                <a:schemeClr val="bg1"/>
-              </a:solidFill>
-            </a:endParaRPr>
-          </a:p>
-          <a:p>
-            <a:pPr marL="171450" indent="-171450">
-              <a:buFont typeface="Wingdings" panose="05000000000000000000" pitchFamily="2" charset="2"/>
-              <a:buChar char="l"/>
-            </a:pPr>
-            <a:r>
-              <a:rPr lang="zh-CN" altLang="zh-CN" sz="1200" dirty="0" smtClean="0">
-                <a:solidFill>
-                  <a:schemeClr val="bg1"/>
-                </a:solidFill>
-              </a:rPr>
-              <a:t>一</a:t>
-            </a:r>
-            <a:r>
-              <a:rPr lang="zh-CN" altLang="zh-CN" sz="1200" dirty="0">
-                <a:solidFill>
-                  <a:schemeClr val="bg1"/>
-                </a:solidFill>
-              </a:rPr>
-              <a:t>张图看懂我国</a:t>
-            </a:r>
-            <a:r>
-              <a:rPr lang="en-US" altLang="zh-CN" sz="1200" dirty="0">
-                <a:solidFill>
-                  <a:schemeClr val="bg1"/>
-                </a:solidFill>
-              </a:rPr>
-              <a:t>AI</a:t>
-            </a:r>
-            <a:r>
-              <a:rPr lang="zh-CN" altLang="zh-CN" sz="1200" dirty="0">
-                <a:solidFill>
-                  <a:schemeClr val="bg1"/>
-                </a:solidFill>
-              </a:rPr>
-              <a:t>医疗及人工智能医疗公司</a:t>
-            </a:r>
-            <a:r>
-              <a:rPr lang="zh-CN" altLang="zh-CN" sz="1200" dirty="0" smtClean="0">
-                <a:solidFill>
-                  <a:schemeClr val="bg1"/>
-                </a:solidFill>
-              </a:rPr>
-              <a:t>现状</a:t>
-            </a:r>
-            <a:endParaRPr lang="en-US" altLang="zh-CN" sz="1200" dirty="0" smtClean="0">
-              <a:solidFill>
-                <a:schemeClr val="bg1"/>
-              </a:solidFill>
-            </a:endParaRPr>
-          </a:p>
-          <a:p>
-            <a:pPr marL="171450" indent="-171450">
-              <a:buFont typeface="Wingdings" panose="05000000000000000000" pitchFamily="2" charset="2"/>
-              <a:buChar char="l"/>
-            </a:pPr>
-            <a:endParaRPr lang="zh-CN" altLang="zh-CN" sz="1200" dirty="0">
-              <a:solidFill>
-                <a:schemeClr val="bg1"/>
-              </a:solidFill>
-            </a:endParaRPr>
-          </a:p>
-          <a:p>
-            <a:pPr marL="171450" indent="-171450">
-              <a:buFont typeface="Wingdings" panose="05000000000000000000" pitchFamily="2" charset="2"/>
-              <a:buChar char="l"/>
-            </a:pPr>
-            <a:r>
-              <a:rPr lang="zh-CN" altLang="zh-CN" sz="1200" dirty="0" smtClean="0">
-                <a:solidFill>
-                  <a:schemeClr val="bg1"/>
-                </a:solidFill>
-              </a:rPr>
-              <a:t>创建</a:t>
-            </a:r>
-            <a:r>
-              <a:rPr lang="zh-CN" altLang="zh-CN" sz="1200" dirty="0">
-                <a:solidFill>
-                  <a:schemeClr val="bg1"/>
-                </a:solidFill>
-              </a:rPr>
-              <a:t>“虚拟医生”帮你诊断疾病，</a:t>
-            </a:r>
-            <a:r>
-              <a:rPr lang="en-US" altLang="zh-CN" sz="1200" dirty="0">
-                <a:solidFill>
-                  <a:schemeClr val="bg1"/>
-                </a:solidFill>
-              </a:rPr>
-              <a:t>Buoy Health</a:t>
-            </a:r>
-            <a:r>
-              <a:rPr lang="zh-CN" altLang="zh-CN" sz="1200" dirty="0">
-                <a:solidFill>
-                  <a:schemeClr val="bg1"/>
-                </a:solidFill>
-              </a:rPr>
-              <a:t>获</a:t>
-            </a:r>
-            <a:r>
-              <a:rPr lang="en-US" altLang="zh-CN" sz="1200" dirty="0">
-                <a:solidFill>
-                  <a:schemeClr val="bg1"/>
-                </a:solidFill>
-              </a:rPr>
-              <a:t>670</a:t>
-            </a:r>
-            <a:r>
-              <a:rPr lang="zh-CN" altLang="zh-CN" sz="1200" dirty="0">
-                <a:solidFill>
-                  <a:schemeClr val="bg1"/>
-                </a:solidFill>
-              </a:rPr>
-              <a:t>万美元</a:t>
-            </a:r>
-            <a:r>
-              <a:rPr lang="en-US" altLang="zh-CN" sz="1200" dirty="0">
-                <a:solidFill>
-                  <a:schemeClr val="bg1"/>
-                </a:solidFill>
-              </a:rPr>
-              <a:t>A</a:t>
-            </a:r>
-            <a:r>
-              <a:rPr lang="zh-CN" altLang="zh-CN" sz="1200" dirty="0">
-                <a:solidFill>
-                  <a:schemeClr val="bg1"/>
-                </a:solidFill>
-              </a:rPr>
-              <a:t>轮融资</a:t>
-            </a:r>
-            <a:r>
-              <a:rPr lang="en-US" altLang="zh-CN" sz="1200" dirty="0">
-                <a:solidFill>
-                  <a:schemeClr val="bg1"/>
-                </a:solidFill>
-              </a:rPr>
-              <a:t>_36</a:t>
-            </a:r>
-            <a:r>
-              <a:rPr lang="zh-CN" altLang="zh-CN" sz="1200" dirty="0" smtClean="0">
-                <a:solidFill>
-                  <a:schemeClr val="bg1"/>
-                </a:solidFill>
-              </a:rPr>
-              <a:t>氪</a:t>
-            </a:r>
-            <a:endParaRPr lang="en-US" altLang="zh-CN" sz="1200" dirty="0" smtClean="0">
-              <a:solidFill>
-                <a:schemeClr val="bg1"/>
-              </a:solidFill>
-            </a:endParaRPr>
-          </a:p>
-          <a:p>
-            <a:pPr marL="171450" indent="-171450">
-              <a:buFont typeface="Wingdings" panose="05000000000000000000" pitchFamily="2" charset="2"/>
-              <a:buChar char="l"/>
-            </a:pPr>
-            <a:endParaRPr lang="zh-CN" altLang="zh-CN" sz="1200" dirty="0">
-              <a:solidFill>
-                <a:schemeClr val="bg1"/>
-              </a:solidFill>
-            </a:endParaRPr>
-          </a:p>
-          <a:p>
-            <a:pPr marL="171450" indent="-171450">
-              <a:buFont typeface="Wingdings" panose="05000000000000000000" pitchFamily="2" charset="2"/>
-              <a:buChar char="l"/>
-            </a:pPr>
-            <a:r>
-              <a:rPr lang="zh-CN" altLang="zh-CN" sz="1200" dirty="0" smtClean="0">
-                <a:solidFill>
-                  <a:schemeClr val="bg1"/>
-                </a:solidFill>
-              </a:rPr>
-              <a:t>初创</a:t>
-            </a:r>
-            <a:r>
-              <a:rPr lang="zh-CN" altLang="zh-CN" sz="1200" dirty="0">
-                <a:solidFill>
-                  <a:schemeClr val="bg1"/>
-                </a:solidFill>
-              </a:rPr>
-              <a:t>公司</a:t>
-            </a:r>
-            <a:r>
-              <a:rPr lang="en-US" altLang="zh-CN" sz="1200" dirty="0">
-                <a:solidFill>
-                  <a:schemeClr val="bg1"/>
-                </a:solidFill>
-              </a:rPr>
-              <a:t> Babylon Health </a:t>
-            </a:r>
-            <a:r>
-              <a:rPr lang="zh-CN" altLang="zh-CN" sz="1200" dirty="0">
-                <a:solidFill>
-                  <a:schemeClr val="bg1"/>
-                </a:solidFill>
-              </a:rPr>
-              <a:t>获得</a:t>
-            </a:r>
-            <a:r>
-              <a:rPr lang="en-US" altLang="zh-CN" sz="1200" dirty="0">
-                <a:solidFill>
-                  <a:schemeClr val="bg1"/>
-                </a:solidFill>
-              </a:rPr>
-              <a:t> 6000 </a:t>
-            </a:r>
-            <a:r>
-              <a:rPr lang="zh-CN" altLang="zh-CN" sz="1200" dirty="0">
-                <a:solidFill>
-                  <a:schemeClr val="bg1"/>
-                </a:solidFill>
-              </a:rPr>
-              <a:t>万美元融资，想用人工智能完成医疗诊断</a:t>
-            </a:r>
-            <a:r>
-              <a:rPr lang="en-US" altLang="zh-CN" sz="1200" dirty="0">
-                <a:solidFill>
-                  <a:schemeClr val="bg1"/>
-                </a:solidFill>
-              </a:rPr>
-              <a:t>_36</a:t>
-            </a:r>
-            <a:r>
-              <a:rPr lang="zh-CN" altLang="zh-CN" sz="1200" dirty="0" smtClean="0">
-                <a:solidFill>
-                  <a:schemeClr val="bg1"/>
-                </a:solidFill>
-              </a:rPr>
-              <a:t>氪</a:t>
-            </a:r>
-            <a:endParaRPr lang="en-US" altLang="zh-CN" sz="1200" dirty="0">
-              <a:solidFill>
-                <a:schemeClr val="bg1"/>
-              </a:solidFill>
-            </a:endParaRPr>
-          </a:p>
-          <a:p>
-            <a:pPr marL="171450" indent="-171450">
-              <a:buFont typeface="Wingdings" panose="05000000000000000000" pitchFamily="2" charset="2"/>
-              <a:buChar char="l"/>
-            </a:pPr>
-            <a:endParaRPr lang="zh-CN" altLang="zh-CN" sz="1200" dirty="0">
-              <a:solidFill>
-                <a:schemeClr val="bg1"/>
-              </a:solidFill>
-            </a:endParaRPr>
-          </a:p>
-          <a:p>
-            <a:pPr marL="171450" indent="-171450">
-              <a:buFont typeface="Wingdings" panose="05000000000000000000" pitchFamily="2" charset="2"/>
-              <a:buChar char="l"/>
-            </a:pPr>
-            <a:r>
-              <a:rPr lang="zh-CN" altLang="zh-CN" sz="1200" dirty="0" smtClean="0">
-                <a:solidFill>
-                  <a:schemeClr val="bg1"/>
-                </a:solidFill>
-              </a:rPr>
-              <a:t>开发</a:t>
-            </a:r>
-            <a:r>
-              <a:rPr lang="zh-CN" altLang="zh-CN" sz="1200" dirty="0">
-                <a:solidFill>
-                  <a:schemeClr val="bg1"/>
-                </a:solidFill>
-              </a:rPr>
-              <a:t>基于人工智能的医学影像分析诊断系统，图玛深维获百万美元</a:t>
-            </a:r>
-            <a:r>
-              <a:rPr lang="en-US" altLang="zh-CN" sz="1200" dirty="0">
-                <a:solidFill>
-                  <a:schemeClr val="bg1"/>
-                </a:solidFill>
-              </a:rPr>
-              <a:t>Pre-A</a:t>
-            </a:r>
-            <a:r>
-              <a:rPr lang="zh-CN" altLang="zh-CN" sz="1200" dirty="0">
-                <a:solidFill>
-                  <a:schemeClr val="bg1"/>
-                </a:solidFill>
-              </a:rPr>
-              <a:t>轮融资</a:t>
-            </a:r>
-            <a:r>
-              <a:rPr lang="en-US" altLang="zh-CN" sz="1200" dirty="0">
-                <a:solidFill>
-                  <a:schemeClr val="bg1"/>
-                </a:solidFill>
-              </a:rPr>
-              <a:t>_36</a:t>
-            </a:r>
-            <a:r>
-              <a:rPr lang="zh-CN" altLang="zh-CN" sz="1200" dirty="0">
-                <a:solidFill>
-                  <a:schemeClr val="bg1"/>
-                </a:solidFill>
-              </a:rPr>
-              <a:t>氪</a:t>
-            </a:r>
-            <a:r>
-              <a:rPr lang="en-US" altLang="zh-CN" sz="1200" dirty="0">
-                <a:solidFill>
-                  <a:schemeClr val="bg1"/>
-                </a:solidFill>
-              </a:rPr>
-              <a:t>.</a:t>
-            </a:r>
-            <a:endParaRPr lang="zh-CN" altLang="zh-CN" sz="1200" dirty="0">
-              <a:solidFill>
-                <a:schemeClr val="bg1"/>
-              </a:solidFill>
-            </a:endParaRPr>
-          </a:p>
-          <a:p>
-            <a:pPr marL="171450" indent="-171450">
-              <a:buFont typeface="Wingdings" panose="05000000000000000000" pitchFamily="2" charset="2"/>
-              <a:buChar char="l"/>
-            </a:pPr>
-            <a:endParaRPr lang="zh-CN" altLang="en-US" sz="1200" dirty="0">
-              <a:solidFill>
-                <a:schemeClr val="bg1"/>
-              </a:solidFill>
-            </a:endParaRPr>
-          </a:p>
-        </p:txBody>
-      </p:sp>
-    </p:spTree>
-    <p:extLst>
-      <p:ext uri="{BB962C8B-B14F-4D97-AF65-F5344CB8AC3E}">
-        <p14:creationId xmlns:p14="http://schemas.microsoft.com/office/powerpoint/2010/main" val="3429596408"/>
       </p:ext>
     </p:extLst>
   </p:cSld>
